--- a/Mongodb 와 공간정보.pptx
+++ b/Mongodb 와 공간정보.pptx
@@ -6,10 +6,10 @@
     <p:sldMasterId id="2147483803" r:id="rId5"/>
   </p:sldMasterIdLst>
   <p:notesMasterIdLst>
-    <p:notesMasterId r:id="rId15"/>
+    <p:notesMasterId r:id="rId26"/>
   </p:notesMasterIdLst>
   <p:handoutMasterIdLst>
-    <p:handoutMasterId r:id="rId16"/>
+    <p:handoutMasterId r:id="rId27"/>
   </p:handoutMasterIdLst>
   <p:sldIdLst>
     <p:sldId id="256" r:id="rId6"/>
@@ -21,6 +21,17 @@
     <p:sldId id="283" r:id="rId12"/>
     <p:sldId id="282" r:id="rId13"/>
     <p:sldId id="284" r:id="rId14"/>
+    <p:sldId id="285" r:id="rId15"/>
+    <p:sldId id="286" r:id="rId16"/>
+    <p:sldId id="287" r:id="rId17"/>
+    <p:sldId id="288" r:id="rId18"/>
+    <p:sldId id="289" r:id="rId19"/>
+    <p:sldId id="290" r:id="rId20"/>
+    <p:sldId id="291" r:id="rId21"/>
+    <p:sldId id="292" r:id="rId22"/>
+    <p:sldId id="293" r:id="rId23"/>
+    <p:sldId id="294" r:id="rId24"/>
+    <p:sldId id="295" r:id="rId25"/>
   </p:sldIdLst>
   <p:sldSz cx="12192000" cy="6858000"/>
   <p:notesSz cx="6858000" cy="9144000"/>
@@ -2961,7 +2972,7 @@
                 <a:latin typeface="맑은 고딕" panose="020B0503020000020004" pitchFamily="50" charset="-127"/>
                 <a:ea typeface="맑은 고딕" panose="020B0503020000020004" pitchFamily="50" charset="-127"/>
               </a:rPr>
-              <a:t>2019-10-04</a:t>
+              <a:t>2019-10-05</a:t>
             </a:fld>
             <a:endParaRPr lang="ko-KR" altLang="en-US" dirty="0">
               <a:latin typeface="맑은 고딕" panose="020B0503020000020004" pitchFamily="50" charset="-127"/>
@@ -3148,7 +3159,7 @@
             <a:fld id="{C6D4BD08-001C-4DA3-A8F2-B1A0C43B0DFD}" type="datetime1">
               <a:rPr lang="ko-KR" altLang="en-US" smtClean="0"/>
               <a:pPr/>
-              <a:t>2019-10-04</a:t>
+              <a:t>2019-10-05</a:t>
             </a:fld>
             <a:endParaRPr lang="ko-KR" altLang="en-US" dirty="0"/>
           </a:p>
@@ -3752,7 +3763,7 @@
             <a:fld id="{20DA4868-5905-4D40-A3C7-A08A77FB381F}" type="datetime1">
               <a:rPr lang="ko-KR" altLang="en-US" smtClean="0"/>
               <a:pPr/>
-              <a:t>2019-10-04</a:t>
+              <a:t>2019-10-05</a:t>
             </a:fld>
             <a:endParaRPr lang="ko-KR" altLang="en-US" dirty="0"/>
           </a:p>
@@ -3925,7 +3936,7 @@
             <a:fld id="{A7059D92-5434-44F0-8311-BFCB0FE3ABFC}" type="datetime1">
               <a:rPr lang="ko-KR" altLang="en-US" smtClean="0"/>
               <a:pPr/>
-              <a:t>2019-10-04</a:t>
+              <a:t>2019-10-05</a:t>
             </a:fld>
             <a:endParaRPr lang="ko-KR" altLang="en-US" dirty="0"/>
           </a:p>
@@ -4108,7 +4119,7 @@
             <a:fld id="{2FB232E3-E22B-46B2-B042-7B0B4F3513F2}" type="datetime1">
               <a:rPr lang="ko-KR" altLang="en-US" smtClean="0"/>
               <a:pPr/>
-              <a:t>2019-10-04</a:t>
+              <a:t>2019-10-05</a:t>
             </a:fld>
             <a:endParaRPr lang="ko-KR" altLang="en-US" dirty="0"/>
           </a:p>
@@ -4304,7 +4315,7 @@
             <a:fld id="{20DA4868-5905-4D40-A3C7-A08A77FB381F}" type="datetime1">
               <a:rPr lang="ko-KR" altLang="en-US" smtClean="0"/>
               <a:pPr/>
-              <a:t>2019-10-04</a:t>
+              <a:t>2019-10-05</a:t>
             </a:fld>
             <a:endParaRPr lang="ko-KR" altLang="en-US" dirty="0"/>
           </a:p>
@@ -4477,7 +4488,7 @@
             <a:fld id="{9EFA091B-FB79-4832-BBA6-485BF4956E11}" type="datetime1">
               <a:rPr lang="ko-KR" altLang="en-US" smtClean="0"/>
               <a:pPr/>
-              <a:t>2019-10-04</a:t>
+              <a:t>2019-10-05</a:t>
             </a:fld>
             <a:endParaRPr lang="ko-KR" altLang="en-US" dirty="0"/>
           </a:p>
@@ -4728,7 +4739,7 @@
             <a:fld id="{5F31BFAB-5A50-4862-991D-7095D6C5D4BE}" type="datetime1">
               <a:rPr lang="ko-KR" altLang="en-US" smtClean="0"/>
               <a:pPr/>
-              <a:t>2019-10-04</a:t>
+              <a:t>2019-10-05</a:t>
             </a:fld>
             <a:endParaRPr lang="ko-KR" altLang="en-US" dirty="0"/>
           </a:p>
@@ -4968,7 +4979,7 @@
             <a:fld id="{55E25835-15BF-46FE-B0BD-ED10F3056879}" type="datetime1">
               <a:rPr lang="ko-KR" altLang="en-US" smtClean="0"/>
               <a:pPr/>
-              <a:t>2019-10-04</a:t>
+              <a:t>2019-10-05</a:t>
             </a:fld>
             <a:endParaRPr lang="ko-KR" altLang="en-US" dirty="0"/>
           </a:p>
@@ -5344,7 +5355,7 @@
             <a:fld id="{6961C815-1148-4AA6-9F9C-F8BBBFBB10CA}" type="datetime1">
               <a:rPr lang="ko-KR" altLang="en-US" smtClean="0"/>
               <a:pPr/>
-              <a:t>2019-10-04</a:t>
+              <a:t>2019-10-05</a:t>
             </a:fld>
             <a:endParaRPr lang="ko-KR" altLang="en-US" dirty="0"/>
           </a:p>
@@ -5465,7 +5476,7 @@
             <a:fld id="{A47AA9F1-F81C-4105-8A81-06D610EC4B63}" type="datetime1">
               <a:rPr lang="ko-KR" altLang="en-US" smtClean="0"/>
               <a:pPr/>
-              <a:t>2019-10-04</a:t>
+              <a:t>2019-10-05</a:t>
             </a:fld>
             <a:endParaRPr lang="ko-KR" altLang="en-US" dirty="0"/>
           </a:p>
@@ -5563,7 +5574,7 @@
             <a:fld id="{55E25835-15BF-46FE-B0BD-ED10F3056879}" type="datetime1">
               <a:rPr lang="ko-KR" altLang="en-US" smtClean="0"/>
               <a:pPr/>
-              <a:t>2019-10-04</a:t>
+              <a:t>2019-10-05</a:t>
             </a:fld>
             <a:endParaRPr lang="ko-KR" altLang="en-US" dirty="0"/>
           </a:p>
@@ -5817,7 +5828,7 @@
             <a:fld id="{55E25835-15BF-46FE-B0BD-ED10F3056879}" type="datetime1">
               <a:rPr lang="ko-KR" altLang="en-US" smtClean="0"/>
               <a:pPr/>
-              <a:t>2019-10-04</a:t>
+              <a:t>2019-10-05</a:t>
             </a:fld>
             <a:endParaRPr lang="ko-KR" altLang="en-US" dirty="0"/>
           </a:p>
@@ -5990,7 +6001,7 @@
             <a:fld id="{9EFA091B-FB79-4832-BBA6-485BF4956E11}" type="datetime1">
               <a:rPr lang="ko-KR" altLang="en-US" smtClean="0"/>
               <a:pPr/>
-              <a:t>2019-10-04</a:t>
+              <a:t>2019-10-05</a:t>
             </a:fld>
             <a:endParaRPr lang="ko-KR" altLang="en-US" dirty="0"/>
           </a:p>
@@ -6280,7 +6291,7 @@
             <a:fld id="{A9C485AE-A5AE-4102-AAA7-CE7177004C64}" type="datetime1">
               <a:rPr lang="ko-KR" altLang="en-US" smtClean="0"/>
               <a:pPr/>
-              <a:t>2019-10-04</a:t>
+              <a:t>2019-10-05</a:t>
             </a:fld>
             <a:endParaRPr lang="ko-KR" altLang="en-US" dirty="0"/>
           </a:p>
@@ -6570,7 +6581,7 @@
             <a:fld id="{55E25835-15BF-46FE-B0BD-ED10F3056879}" type="datetime1">
               <a:rPr lang="ko-KR" altLang="en-US" smtClean="0"/>
               <a:pPr/>
-              <a:t>2019-10-04</a:t>
+              <a:t>2019-10-05</a:t>
             </a:fld>
             <a:endParaRPr lang="ko-KR" altLang="en-US" dirty="0"/>
           </a:p>
@@ -6765,7 +6776,7 @@
             <a:fld id="{55E25835-15BF-46FE-B0BD-ED10F3056879}" type="datetime1">
               <a:rPr lang="ko-KR" altLang="en-US" smtClean="0"/>
               <a:pPr/>
-              <a:t>2019-10-04</a:t>
+              <a:t>2019-10-05</a:t>
             </a:fld>
             <a:endParaRPr lang="ko-KR" altLang="en-US" dirty="0"/>
           </a:p>
@@ -7029,7 +7040,7 @@
             <a:fld id="{55E25835-15BF-46FE-B0BD-ED10F3056879}" type="datetime1">
               <a:rPr lang="ko-KR" altLang="en-US" smtClean="0"/>
               <a:pPr/>
-              <a:t>2019-10-04</a:t>
+              <a:t>2019-10-05</a:t>
             </a:fld>
             <a:endParaRPr lang="ko-KR" altLang="en-US" dirty="0"/>
           </a:p>
@@ -7456,7 +7467,7 @@
             <a:fld id="{55E25835-15BF-46FE-B0BD-ED10F3056879}" type="datetime1">
               <a:rPr lang="ko-KR" altLang="en-US" smtClean="0"/>
               <a:pPr/>
-              <a:t>2019-10-04</a:t>
+              <a:t>2019-10-05</a:t>
             </a:fld>
             <a:endParaRPr lang="ko-KR" altLang="en-US" dirty="0"/>
           </a:p>
@@ -8005,7 +8016,7 @@
             <a:fld id="{55E25835-15BF-46FE-B0BD-ED10F3056879}" type="datetime1">
               <a:rPr lang="ko-KR" altLang="en-US" smtClean="0"/>
               <a:pPr/>
-              <a:t>2019-10-04</a:t>
+              <a:t>2019-10-05</a:t>
             </a:fld>
             <a:endParaRPr lang="ko-KR" altLang="en-US" dirty="0"/>
           </a:p>
@@ -8848,7 +8859,7 @@
             <a:fld id="{55E25835-15BF-46FE-B0BD-ED10F3056879}" type="datetime1">
               <a:rPr lang="ko-KR" altLang="en-US" smtClean="0"/>
               <a:pPr/>
-              <a:t>2019-10-04</a:t>
+              <a:t>2019-10-05</a:t>
             </a:fld>
             <a:endParaRPr lang="ko-KR" altLang="en-US" dirty="0"/>
           </a:p>
@@ -9021,7 +9032,7 @@
             <a:fld id="{A7059D92-5434-44F0-8311-BFCB0FE3ABFC}" type="datetime1">
               <a:rPr lang="ko-KR" altLang="en-US" smtClean="0"/>
               <a:pPr/>
-              <a:t>2019-10-04</a:t>
+              <a:t>2019-10-05</a:t>
             </a:fld>
             <a:endParaRPr lang="ko-KR" altLang="en-US" dirty="0"/>
           </a:p>
@@ -9208,7 +9219,7 @@
             <a:fld id="{2FB232E3-E22B-46B2-B042-7B0B4F3513F2}" type="datetime1">
               <a:rPr lang="ko-KR" altLang="en-US" smtClean="0"/>
               <a:pPr/>
-              <a:t>2019-10-04</a:t>
+              <a:t>2019-10-05</a:t>
             </a:fld>
             <a:endParaRPr lang="ko-KR" altLang="en-US" dirty="0"/>
           </a:p>
@@ -9461,7 +9472,7 @@
             <a:fld id="{5F31BFAB-5A50-4862-991D-7095D6C5D4BE}" type="datetime1">
               <a:rPr lang="ko-KR" altLang="en-US" smtClean="0"/>
               <a:pPr/>
-              <a:t>2019-10-04</a:t>
+              <a:t>2019-10-05</a:t>
             </a:fld>
             <a:endParaRPr lang="ko-KR" altLang="en-US" dirty="0"/>
           </a:p>
@@ -9696,7 +9707,7 @@
             <a:fld id="{55E25835-15BF-46FE-B0BD-ED10F3056879}" type="datetime1">
               <a:rPr lang="ko-KR" altLang="en-US" smtClean="0"/>
               <a:pPr/>
-              <a:t>2019-10-04</a:t>
+              <a:t>2019-10-05</a:t>
             </a:fld>
             <a:endParaRPr lang="ko-KR" altLang="en-US" dirty="0"/>
           </a:p>
@@ -10046,7 +10057,7 @@
             <a:fld id="{6961C815-1148-4AA6-9F9C-F8BBBFBB10CA}" type="datetime1">
               <a:rPr lang="ko-KR" altLang="en-US" smtClean="0"/>
               <a:pPr/>
-              <a:t>2019-10-04</a:t>
+              <a:t>2019-10-05</a:t>
             </a:fld>
             <a:endParaRPr lang="ko-KR" altLang="en-US" dirty="0"/>
           </a:p>
@@ -10167,7 +10178,7 @@
             <a:fld id="{A47AA9F1-F81C-4105-8A81-06D610EC4B63}" type="datetime1">
               <a:rPr lang="ko-KR" altLang="en-US" smtClean="0"/>
               <a:pPr/>
-              <a:t>2019-10-04</a:t>
+              <a:t>2019-10-05</a:t>
             </a:fld>
             <a:endParaRPr lang="ko-KR" altLang="en-US" dirty="0"/>
           </a:p>
@@ -10288,7 +10299,7 @@
             <a:fld id="{55E25835-15BF-46FE-B0BD-ED10F3056879}" type="datetime1">
               <a:rPr lang="ko-KR" altLang="en-US" smtClean="0"/>
               <a:pPr/>
-              <a:t>2019-10-04</a:t>
+              <a:t>2019-10-05</a:t>
             </a:fld>
             <a:endParaRPr lang="ko-KR" altLang="en-US" dirty="0"/>
           </a:p>
@@ -10575,7 +10586,7 @@
             <a:fld id="{55E25835-15BF-46FE-B0BD-ED10F3056879}" type="datetime1">
               <a:rPr lang="ko-KR" altLang="en-US" smtClean="0"/>
               <a:pPr/>
-              <a:t>2019-10-04</a:t>
+              <a:t>2019-10-05</a:t>
             </a:fld>
             <a:endParaRPr lang="ko-KR" altLang="en-US" dirty="0"/>
           </a:p>
@@ -10842,7 +10853,7 @@
             <a:fld id="{A9C485AE-A5AE-4102-AAA7-CE7177004C64}" type="datetime1">
               <a:rPr lang="ko-KR" altLang="en-US" smtClean="0"/>
               <a:pPr/>
-              <a:t>2019-10-04</a:t>
+              <a:t>2019-10-05</a:t>
             </a:fld>
             <a:endParaRPr lang="ko-KR" altLang="en-US" dirty="0"/>
           </a:p>
@@ -11059,7 +11070,7 @@
             <a:fld id="{55E25835-15BF-46FE-B0BD-ED10F3056879}" type="datetime1">
               <a:rPr lang="ko-KR" altLang="en-US" smtClean="0"/>
               <a:pPr/>
-              <a:t>2019-10-04</a:t>
+              <a:t>2019-10-05</a:t>
             </a:fld>
             <a:endParaRPr lang="ko-KR" altLang="en-US" dirty="0"/>
           </a:p>
@@ -11591,7 +11602,7 @@
             <a:fld id="{55E25835-15BF-46FE-B0BD-ED10F3056879}" type="datetime1">
               <a:rPr lang="ko-KR" altLang="en-US" smtClean="0"/>
               <a:pPr/>
-              <a:t>2019-10-04</a:t>
+              <a:t>2019-10-05</a:t>
             </a:fld>
             <a:endParaRPr lang="ko-KR" altLang="en-US" dirty="0"/>
           </a:p>
@@ -12241,6 +12252,3957 @@
 </p:sld>
 </file>
 
+<file path=ppt/slides/slide10.xml><?xml version="1.0" encoding="utf-8"?>
+<p:sld xmlns:a="http://schemas.openxmlformats.org/drawingml/2006/main" xmlns:r="http://schemas.openxmlformats.org/officeDocument/2006/relationships" xmlns:p="http://schemas.openxmlformats.org/presentationml/2006/main">
+  <p:cSld>
+    <p:spTree>
+      <p:nvGrpSpPr>
+        <p:cNvPr id="1" name=""/>
+        <p:cNvGrpSpPr/>
+        <p:nvPr/>
+      </p:nvGrpSpPr>
+      <p:grpSpPr>
+        <a:xfrm>
+          <a:off x="0" y="0"/>
+          <a:ext cx="0" cy="0"/>
+          <a:chOff x="0" y="0"/>
+          <a:chExt cx="0" cy="0"/>
+        </a:xfrm>
+      </p:grpSpPr>
+      <p:sp>
+        <p:nvSpPr>
+          <p:cNvPr id="2" name="제목 1">
+            <a:extLst>
+              <a:ext uri="{FF2B5EF4-FFF2-40B4-BE49-F238E27FC236}">
+                <a16:creationId xmlns:a16="http://schemas.microsoft.com/office/drawing/2014/main" id="{97673614-F306-4EC1-A968-0F57C2066A0A}"/>
+              </a:ext>
+            </a:extLst>
+          </p:cNvPr>
+          <p:cNvSpPr>
+            <a:spLocks noGrp="1"/>
+          </p:cNvSpPr>
+          <p:nvPr>
+            <p:ph type="title"/>
+          </p:nvPr>
+        </p:nvSpPr>
+        <p:spPr/>
+        <p:txBody>
+          <a:bodyPr/>
+          <a:lstStyle/>
+          <a:p>
+            <a:r>
+              <a:rPr lang="ko-KR" altLang="en-US" dirty="0"/>
+              <a:t>다양한 요구사항에 대한 대응</a:t>
+            </a:r>
+          </a:p>
+        </p:txBody>
+      </p:sp>
+      <p:sp>
+        <p:nvSpPr>
+          <p:cNvPr id="4" name="내용 개체 틀 3">
+            <a:extLst>
+              <a:ext uri="{FF2B5EF4-FFF2-40B4-BE49-F238E27FC236}">
+                <a16:creationId xmlns:a16="http://schemas.microsoft.com/office/drawing/2014/main" id="{FE6D19C3-69DF-43D3-B502-81E621DACA7A}"/>
+              </a:ext>
+            </a:extLst>
+          </p:cNvPr>
+          <p:cNvSpPr>
+            <a:spLocks noGrp="1"/>
+          </p:cNvSpPr>
+          <p:nvPr>
+            <p:ph idx="1"/>
+          </p:nvPr>
+        </p:nvSpPr>
+        <p:spPr/>
+        <p:txBody>
+          <a:bodyPr/>
+          <a:lstStyle/>
+          <a:p>
+            <a:r>
+              <a:rPr lang="ko-KR" altLang="en-US" dirty="0"/>
+              <a:t>스키마 변경에 대하여 스트레스를 받을 이유가 없음 </a:t>
+            </a:r>
+            <a:endParaRPr lang="en-US" altLang="ko-KR" dirty="0"/>
+          </a:p>
+          <a:p>
+            <a:r>
+              <a:rPr lang="en-US" altLang="ko-KR" dirty="0"/>
+              <a:t> </a:t>
+            </a:r>
+            <a:r>
+              <a:rPr lang="en-US" altLang="ko-KR" dirty="0" err="1"/>
+              <a:t>Mongodb</a:t>
+            </a:r>
+            <a:r>
+              <a:rPr lang="en-US" altLang="ko-KR" dirty="0"/>
+              <a:t> </a:t>
+            </a:r>
+            <a:r>
+              <a:rPr lang="ko-KR" altLang="en-US" dirty="0"/>
+              <a:t>자체가 이런 것에 특화 되어 있음</a:t>
+            </a:r>
+            <a:r>
+              <a:rPr lang="en-US" altLang="ko-KR" dirty="0"/>
+              <a:t>. (Json </a:t>
+            </a:r>
+            <a:r>
+              <a:rPr lang="ko-KR" altLang="en-US" dirty="0"/>
+              <a:t>형태로 데이터로 주고 받기 </a:t>
+            </a:r>
+            <a:r>
+              <a:rPr lang="en-US" altLang="ko-KR" dirty="0"/>
+              <a:t>)</a:t>
+            </a:r>
+          </a:p>
+          <a:p>
+            <a:endParaRPr lang="ko-KR" altLang="en-US" dirty="0"/>
+          </a:p>
+        </p:txBody>
+      </p:sp>
+      <p:sp>
+        <p:nvSpPr>
+          <p:cNvPr id="8" name="TextBox 7">
+            <a:extLst>
+              <a:ext uri="{FF2B5EF4-FFF2-40B4-BE49-F238E27FC236}">
+                <a16:creationId xmlns:a16="http://schemas.microsoft.com/office/drawing/2014/main" id="{B2D0D067-3C6F-490D-8730-358B0F657646}"/>
+              </a:ext>
+            </a:extLst>
+          </p:cNvPr>
+          <p:cNvSpPr txBox="1"/>
+          <p:nvPr/>
+        </p:nvSpPr>
+        <p:spPr>
+          <a:xfrm>
+            <a:off x="2375738" y="6629400"/>
+            <a:ext cx="8338657" cy="916497"/>
+          </a:xfrm>
+          <a:prstGeom prst="rect">
+            <a:avLst/>
+          </a:prstGeom>
+          <a:noFill/>
+        </p:spPr>
+        <p:txBody>
+          <a:bodyPr wrap="square" rtlCol="0">
+            <a:spAutoFit/>
+          </a:bodyPr>
+          <a:lstStyle/>
+          <a:p>
+            <a:endParaRPr lang="ko-KR" altLang="en-US" dirty="0"/>
+          </a:p>
+        </p:txBody>
+      </p:sp>
+      <p:sp>
+        <p:nvSpPr>
+          <p:cNvPr id="9" name="Rectangle 2">
+            <a:extLst>
+              <a:ext uri="{FF2B5EF4-FFF2-40B4-BE49-F238E27FC236}">
+                <a16:creationId xmlns:a16="http://schemas.microsoft.com/office/drawing/2014/main" id="{1D709D85-B46A-4C53-9214-E7EF2F7A1FC1}"/>
+              </a:ext>
+            </a:extLst>
+          </p:cNvPr>
+          <p:cNvSpPr>
+            <a:spLocks noChangeArrowheads="1"/>
+          </p:cNvSpPr>
+          <p:nvPr/>
+        </p:nvSpPr>
+        <p:spPr bwMode="auto">
+          <a:xfrm>
+            <a:off x="1347136" y="3117254"/>
+            <a:ext cx="7348289" cy="2834089"/>
+          </a:xfrm>
+          <a:prstGeom prst="rect">
+            <a:avLst/>
+          </a:prstGeom>
+          <a:solidFill>
+            <a:srgbClr val="F5F5F5"/>
+          </a:solidFill>
+          <a:ln>
+            <a:noFill/>
+          </a:ln>
+          <a:effectLst/>
+          <a:extLst>
+            <a:ext uri="{91240B29-F687-4F45-9708-019B960494DF}">
+              <a14:hiddenLine xmlns:a14="http://schemas.microsoft.com/office/drawing/2010/main" w="9525">
+                <a:solidFill>
+                  <a:schemeClr val="tx1"/>
+                </a:solidFill>
+                <a:miter lim="800000"/>
+                <a:headEnd/>
+                <a:tailEnd/>
+              </a14:hiddenLine>
+            </a:ext>
+            <a:ext uri="{AF507438-7753-43E0-B8FC-AC1667EBCBE1}">
+              <a14:hiddenEffects xmlns:a14="http://schemas.microsoft.com/office/drawing/2010/main">
+                <a:effectLst>
+                  <a:outerShdw dist="35921" dir="2700000" algn="ctr" rotWithShape="0">
+                    <a:schemeClr val="bg2"/>
+                  </a:outerShdw>
+                </a:effectLst>
+              </a14:hiddenEffects>
+            </a:ext>
+          </a:extLst>
+        </p:spPr>
+        <p:txBody>
+          <a:bodyPr vert="horz" wrap="square" lIns="0" tIns="0" rIns="0" bIns="63480" numCol="1" anchor="ctr" anchorCtr="0" compatLnSpc="1">
+            <a:prstTxWarp prst="textNoShape">
+              <a:avLst/>
+            </a:prstTxWarp>
+            <a:spAutoFit/>
+          </a:bodyPr>
+          <a:lstStyle/>
+          <a:p>
+            <a:pPr marL="0" marR="0" lvl="0" indent="0" algn="l" defTabSz="914400" rtl="0" eaLnBrk="0" fontAlgn="base" latinLnBrk="0" hangingPunct="0">
+              <a:lnSpc>
+                <a:spcPct val="100000"/>
+              </a:lnSpc>
+              <a:spcBef>
+                <a:spcPct val="0"/>
+              </a:spcBef>
+              <a:spcAft>
+                <a:spcPct val="0"/>
+              </a:spcAft>
+              <a:buClrTx/>
+              <a:buSzTx/>
+              <a:buFontTx/>
+              <a:buNone/>
+              <a:tabLst/>
+            </a:pPr>
+            <a:r>
+              <a:rPr kumimoji="0" lang="ko-KR" altLang="ko-KR" b="0" i="0" u="none" strike="noStrike" cap="none" normalizeH="0" baseline="0" dirty="0">
+                <a:ln>
+                  <a:noFill/>
+                </a:ln>
+                <a:solidFill>
+                  <a:srgbClr val="333333"/>
+                </a:solidFill>
+                <a:effectLst/>
+                <a:latin typeface="Arial Unicode MS"/>
+                <a:ea typeface="Monaco"/>
+              </a:rPr>
+              <a:t>{ </a:t>
+            </a:r>
+            <a:endParaRPr kumimoji="0" lang="en-US" altLang="ko-KR" b="0" i="0" u="none" strike="noStrike" cap="none" normalizeH="0" baseline="0" dirty="0">
+              <a:ln>
+                <a:noFill/>
+              </a:ln>
+              <a:solidFill>
+                <a:srgbClr val="333333"/>
+              </a:solidFill>
+              <a:effectLst/>
+              <a:latin typeface="Arial Unicode MS"/>
+              <a:ea typeface="Monaco"/>
+            </a:endParaRPr>
+          </a:p>
+          <a:p>
+            <a:pPr marL="0" marR="0" lvl="0" indent="0" algn="l" defTabSz="914400" rtl="0" eaLnBrk="0" fontAlgn="base" latinLnBrk="0" hangingPunct="0">
+              <a:lnSpc>
+                <a:spcPct val="100000"/>
+              </a:lnSpc>
+              <a:spcBef>
+                <a:spcPct val="0"/>
+              </a:spcBef>
+              <a:spcAft>
+                <a:spcPct val="0"/>
+              </a:spcAft>
+              <a:buClrTx/>
+              <a:buSzTx/>
+              <a:buFontTx/>
+              <a:buNone/>
+              <a:tabLst/>
+            </a:pPr>
+            <a:r>
+              <a:rPr kumimoji="0" lang="ko-KR" altLang="ko-KR" b="0" i="0" u="none" strike="noStrike" cap="none" normalizeH="0" baseline="0" dirty="0">
+                <a:ln>
+                  <a:noFill/>
+                </a:ln>
+                <a:solidFill>
+                  <a:srgbClr val="333333"/>
+                </a:solidFill>
+                <a:effectLst/>
+                <a:latin typeface="Arial Unicode MS"/>
+                <a:ea typeface="Monaco"/>
+              </a:rPr>
+              <a:t>"</a:t>
+            </a:r>
+            <a:r>
+              <a:rPr kumimoji="0" lang="ko-KR" altLang="ko-KR" b="0" i="0" u="none" strike="noStrike" cap="none" normalizeH="0" baseline="0" dirty="0" err="1">
+                <a:ln>
+                  <a:noFill/>
+                </a:ln>
+                <a:solidFill>
+                  <a:srgbClr val="333333"/>
+                </a:solidFill>
+                <a:effectLst/>
+                <a:latin typeface="Arial Unicode MS"/>
+                <a:ea typeface="Monaco"/>
+              </a:rPr>
+              <a:t>name</a:t>
+            </a:r>
+            <a:r>
+              <a:rPr kumimoji="0" lang="ko-KR" altLang="ko-KR" b="0" i="0" u="none" strike="noStrike" cap="none" normalizeH="0" baseline="0" dirty="0">
+                <a:ln>
+                  <a:noFill/>
+                </a:ln>
+                <a:solidFill>
+                  <a:srgbClr val="333333"/>
+                </a:solidFill>
+                <a:effectLst/>
+                <a:latin typeface="Arial Unicode MS"/>
+                <a:ea typeface="Monaco"/>
+              </a:rPr>
+              <a:t>" : </a:t>
+            </a:r>
+            <a:r>
+              <a:rPr kumimoji="0" lang="ko-KR" altLang="en-US" b="0" i="0" u="none" strike="noStrike" cap="none" normalizeH="0" baseline="0" dirty="0">
+                <a:ln>
+                  <a:noFill/>
+                </a:ln>
+                <a:solidFill>
+                  <a:srgbClr val="333333"/>
+                </a:solidFill>
+                <a:effectLst/>
+                <a:latin typeface="Arial Unicode MS"/>
+                <a:ea typeface="Monaco"/>
+              </a:rPr>
+              <a:t>“</a:t>
+            </a:r>
+            <a:r>
+              <a:rPr lang="en-US" altLang="ko-KR" dirty="0" err="1">
+                <a:solidFill>
+                  <a:srgbClr val="333333"/>
+                </a:solidFill>
+                <a:latin typeface="Arial Unicode MS"/>
+                <a:ea typeface="Monaco"/>
+              </a:rPr>
+              <a:t>aliasgis</a:t>
+            </a:r>
+            <a:r>
+              <a:rPr kumimoji="0" lang="ko-KR" altLang="ko-KR" b="0" i="0" u="none" strike="noStrike" cap="none" normalizeH="0" baseline="0" dirty="0">
+                <a:ln>
+                  <a:noFill/>
+                </a:ln>
+                <a:solidFill>
+                  <a:srgbClr val="333333"/>
+                </a:solidFill>
+                <a:effectLst/>
+                <a:latin typeface="Arial Unicode MS"/>
+                <a:ea typeface="Monaco"/>
+              </a:rPr>
+              <a:t>", </a:t>
+            </a:r>
+            <a:endParaRPr kumimoji="0" lang="en-US" altLang="ko-KR" b="0" i="0" u="none" strike="noStrike" cap="none" normalizeH="0" baseline="0" dirty="0">
+              <a:ln>
+                <a:noFill/>
+              </a:ln>
+              <a:solidFill>
+                <a:srgbClr val="333333"/>
+              </a:solidFill>
+              <a:effectLst/>
+              <a:latin typeface="Arial Unicode MS"/>
+              <a:ea typeface="Monaco"/>
+            </a:endParaRPr>
+          </a:p>
+          <a:p>
+            <a:pPr marL="0" marR="0" lvl="0" indent="0" algn="l" defTabSz="914400" rtl="0" eaLnBrk="0" fontAlgn="base" latinLnBrk="0" hangingPunct="0">
+              <a:lnSpc>
+                <a:spcPct val="100000"/>
+              </a:lnSpc>
+              <a:spcBef>
+                <a:spcPct val="0"/>
+              </a:spcBef>
+              <a:spcAft>
+                <a:spcPct val="0"/>
+              </a:spcAft>
+              <a:buClrTx/>
+              <a:buSzTx/>
+              <a:buFontTx/>
+              <a:buNone/>
+              <a:tabLst/>
+            </a:pPr>
+            <a:r>
+              <a:rPr kumimoji="0" lang="ko-KR" altLang="ko-KR" b="0" i="0" u="none" strike="noStrike" cap="none" normalizeH="0" baseline="0" dirty="0">
+                <a:ln>
+                  <a:noFill/>
+                </a:ln>
+                <a:solidFill>
+                  <a:srgbClr val="333333"/>
+                </a:solidFill>
+                <a:effectLst/>
+                <a:latin typeface="Arial Unicode MS"/>
+                <a:ea typeface="Monaco"/>
+              </a:rPr>
+              <a:t>"</a:t>
+            </a:r>
+            <a:r>
+              <a:rPr kumimoji="0" lang="ko-KR" altLang="ko-KR" b="0" i="0" u="none" strike="noStrike" cap="none" normalizeH="0" baseline="0" dirty="0" err="1">
+                <a:ln>
+                  <a:noFill/>
+                </a:ln>
+                <a:solidFill>
+                  <a:srgbClr val="333333"/>
+                </a:solidFill>
+                <a:effectLst/>
+                <a:latin typeface="Arial Unicode MS"/>
+                <a:ea typeface="Monaco"/>
+              </a:rPr>
+              <a:t>age</a:t>
+            </a:r>
+            <a:r>
+              <a:rPr kumimoji="0" lang="ko-KR" altLang="ko-KR" b="0" i="0" u="none" strike="noStrike" cap="none" normalizeH="0" baseline="0" dirty="0">
+                <a:ln>
+                  <a:noFill/>
+                </a:ln>
+                <a:solidFill>
+                  <a:srgbClr val="333333"/>
+                </a:solidFill>
+                <a:effectLst/>
+                <a:latin typeface="Arial Unicode MS"/>
+                <a:ea typeface="Monaco"/>
+              </a:rPr>
+              <a:t>" : </a:t>
+            </a:r>
+            <a:r>
+              <a:rPr kumimoji="0" lang="en-US" altLang="ko-KR" b="0" i="0" u="none" strike="noStrike" cap="none" normalizeH="0" baseline="0" dirty="0">
+                <a:ln>
+                  <a:noFill/>
+                </a:ln>
+                <a:solidFill>
+                  <a:srgbClr val="333333"/>
+                </a:solidFill>
+                <a:effectLst/>
+                <a:latin typeface="Arial Unicode MS"/>
+                <a:ea typeface="Monaco"/>
+              </a:rPr>
+              <a:t>45</a:t>
+            </a:r>
+            <a:r>
+              <a:rPr kumimoji="0" lang="ko-KR" altLang="ko-KR" b="0" i="0" u="none" strike="noStrike" cap="none" normalizeH="0" baseline="0" dirty="0">
+                <a:ln>
+                  <a:noFill/>
+                </a:ln>
+                <a:solidFill>
+                  <a:srgbClr val="333333"/>
+                </a:solidFill>
+                <a:effectLst/>
+                <a:latin typeface="Arial Unicode MS"/>
+                <a:ea typeface="Monaco"/>
+              </a:rPr>
+              <a:t>,</a:t>
+            </a:r>
+            <a:endParaRPr kumimoji="0" lang="en-US" altLang="ko-KR" b="0" i="0" u="none" strike="noStrike" cap="none" normalizeH="0" baseline="0" dirty="0">
+              <a:ln>
+                <a:noFill/>
+              </a:ln>
+              <a:solidFill>
+                <a:srgbClr val="333333"/>
+              </a:solidFill>
+              <a:effectLst/>
+              <a:latin typeface="Arial Unicode MS"/>
+              <a:ea typeface="Monaco"/>
+            </a:endParaRPr>
+          </a:p>
+          <a:p>
+            <a:pPr marL="0" marR="0" lvl="0" indent="0" algn="l" defTabSz="914400" rtl="0" eaLnBrk="0" fontAlgn="base" latinLnBrk="0" hangingPunct="0">
+              <a:lnSpc>
+                <a:spcPct val="100000"/>
+              </a:lnSpc>
+              <a:spcBef>
+                <a:spcPct val="0"/>
+              </a:spcBef>
+              <a:spcAft>
+                <a:spcPct val="0"/>
+              </a:spcAft>
+              <a:buClrTx/>
+              <a:buSzTx/>
+              <a:buFontTx/>
+              <a:buNone/>
+              <a:tabLst/>
+            </a:pPr>
+            <a:r>
+              <a:rPr kumimoji="0" lang="ko-KR" altLang="ko-KR" b="0" i="0" u="none" strike="noStrike" cap="none" normalizeH="0" baseline="0" dirty="0">
+                <a:ln>
+                  <a:noFill/>
+                </a:ln>
+                <a:solidFill>
+                  <a:srgbClr val="333333"/>
+                </a:solidFill>
+                <a:effectLst/>
+                <a:latin typeface="Arial Unicode MS"/>
+                <a:ea typeface="Monaco"/>
+              </a:rPr>
+              <a:t> </a:t>
+            </a:r>
+            <a:r>
+              <a:rPr kumimoji="0" lang="ko-KR" altLang="en-US" b="0" i="0" u="none" strike="noStrike" cap="none" normalizeH="0" baseline="0" dirty="0">
+                <a:ln>
+                  <a:noFill/>
+                </a:ln>
+                <a:solidFill>
+                  <a:srgbClr val="333333"/>
+                </a:solidFill>
+                <a:effectLst/>
+                <a:latin typeface="Arial Unicode MS"/>
+                <a:ea typeface="Monaco"/>
+              </a:rPr>
+              <a:t>“</a:t>
+            </a:r>
+            <a:r>
+              <a:rPr lang="en-US" altLang="ko-KR" dirty="0">
+                <a:solidFill>
+                  <a:srgbClr val="333333"/>
+                </a:solidFill>
+                <a:latin typeface="Arial Unicode MS"/>
+                <a:ea typeface="Monaco"/>
+              </a:rPr>
+              <a:t>job</a:t>
+            </a:r>
+            <a:r>
+              <a:rPr kumimoji="0" lang="ko-KR" altLang="ko-KR" b="0" i="0" u="none" strike="noStrike" cap="none" normalizeH="0" baseline="0" dirty="0">
+                <a:ln>
+                  <a:noFill/>
+                </a:ln>
+                <a:solidFill>
+                  <a:srgbClr val="333333"/>
+                </a:solidFill>
+                <a:effectLst/>
+                <a:latin typeface="Arial Unicode MS"/>
+                <a:ea typeface="Monaco"/>
+              </a:rPr>
+              <a:t>" : </a:t>
+            </a:r>
+            <a:r>
+              <a:rPr kumimoji="0" lang="ko-KR" altLang="en-US" b="0" i="0" u="none" strike="noStrike" cap="none" normalizeH="0" baseline="0" dirty="0">
+                <a:ln>
+                  <a:noFill/>
+                </a:ln>
+                <a:solidFill>
+                  <a:srgbClr val="333333"/>
+                </a:solidFill>
+                <a:effectLst/>
+                <a:latin typeface="Arial Unicode MS"/>
+                <a:ea typeface="Monaco"/>
+              </a:rPr>
+              <a:t>“</a:t>
+            </a:r>
+            <a:r>
+              <a:rPr kumimoji="0" lang="en-US" altLang="ko-KR" b="0" i="0" u="none" strike="noStrike" cap="none" normalizeH="0" baseline="0" dirty="0">
+                <a:ln>
+                  <a:noFill/>
+                </a:ln>
+                <a:solidFill>
+                  <a:srgbClr val="333333"/>
+                </a:solidFill>
+                <a:effectLst/>
+                <a:latin typeface="Arial Unicode MS"/>
+                <a:ea typeface="Monaco"/>
+              </a:rPr>
+              <a:t>Developer</a:t>
+            </a:r>
+            <a:r>
+              <a:rPr kumimoji="0" lang="ko-KR" altLang="en-US" b="0" i="0" u="none" strike="noStrike" cap="none" normalizeH="0" baseline="0" dirty="0">
+                <a:ln>
+                  <a:noFill/>
+                </a:ln>
+                <a:solidFill>
+                  <a:srgbClr val="333333"/>
+                </a:solidFill>
+                <a:effectLst/>
+                <a:latin typeface="Arial Unicode MS"/>
+                <a:ea typeface="Monaco"/>
+              </a:rPr>
+              <a:t>“</a:t>
+            </a:r>
+            <a:endParaRPr kumimoji="0" lang="en-US" altLang="ko-KR" b="0" i="0" u="none" strike="noStrike" cap="none" normalizeH="0" baseline="0" dirty="0">
+              <a:ln>
+                <a:noFill/>
+              </a:ln>
+              <a:solidFill>
+                <a:srgbClr val="333333"/>
+              </a:solidFill>
+              <a:effectLst/>
+              <a:latin typeface="Arial Unicode MS"/>
+              <a:ea typeface="Monaco"/>
+            </a:endParaRPr>
+          </a:p>
+          <a:p>
+            <a:pPr marL="0" marR="0" lvl="0" indent="0" algn="l" defTabSz="914400" rtl="0" eaLnBrk="0" fontAlgn="base" latinLnBrk="0" hangingPunct="0">
+              <a:lnSpc>
+                <a:spcPct val="100000"/>
+              </a:lnSpc>
+              <a:spcBef>
+                <a:spcPct val="0"/>
+              </a:spcBef>
+              <a:spcAft>
+                <a:spcPct val="0"/>
+              </a:spcAft>
+              <a:buClrTx/>
+              <a:buSzTx/>
+              <a:buFontTx/>
+              <a:buNone/>
+              <a:tabLst/>
+            </a:pPr>
+            <a:r>
+              <a:rPr kumimoji="0" lang="ko-KR" altLang="ko-KR" b="0" i="0" u="none" strike="noStrike" cap="none" normalizeH="0" baseline="0" dirty="0">
+                <a:ln>
+                  <a:noFill/>
+                </a:ln>
+                <a:solidFill>
+                  <a:srgbClr val="333333"/>
+                </a:solidFill>
+                <a:effectLst/>
+                <a:latin typeface="Arial Unicode MS"/>
+                <a:ea typeface="Monaco"/>
+              </a:rPr>
+              <a:t> } </a:t>
+            </a:r>
+            <a:endParaRPr kumimoji="0" lang="en-US" altLang="ko-KR" b="0" i="0" u="none" strike="noStrike" cap="none" normalizeH="0" baseline="0" dirty="0">
+              <a:ln>
+                <a:noFill/>
+              </a:ln>
+              <a:solidFill>
+                <a:srgbClr val="333333"/>
+              </a:solidFill>
+              <a:effectLst/>
+              <a:latin typeface="Arial Unicode MS"/>
+              <a:ea typeface="Monaco"/>
+            </a:endParaRPr>
+          </a:p>
+          <a:p>
+            <a:pPr marL="0" marR="0" lvl="0" indent="0" algn="l" defTabSz="914400" rtl="0" eaLnBrk="0" fontAlgn="base" latinLnBrk="0" hangingPunct="0">
+              <a:lnSpc>
+                <a:spcPct val="100000"/>
+              </a:lnSpc>
+              <a:spcBef>
+                <a:spcPct val="0"/>
+              </a:spcBef>
+              <a:spcAft>
+                <a:spcPct val="0"/>
+              </a:spcAft>
+              <a:buClrTx/>
+              <a:buSzTx/>
+              <a:buFontTx/>
+              <a:buNone/>
+              <a:tabLst/>
+            </a:pPr>
+            <a:r>
+              <a:rPr kumimoji="0" lang="ko-KR" altLang="ko-KR" b="0" i="0" u="none" strike="noStrike" cap="none" normalizeH="0" baseline="0" dirty="0">
+                <a:ln>
+                  <a:noFill/>
+                </a:ln>
+                <a:solidFill>
+                  <a:srgbClr val="333333"/>
+                </a:solidFill>
+                <a:effectLst/>
+                <a:latin typeface="Arial Unicode MS"/>
+                <a:ea typeface="Monaco"/>
+              </a:rPr>
+              <a:t>{ </a:t>
+            </a:r>
+            <a:endParaRPr kumimoji="0" lang="en-US" altLang="ko-KR" b="0" i="0" u="none" strike="noStrike" cap="none" normalizeH="0" baseline="0" dirty="0">
+              <a:ln>
+                <a:noFill/>
+              </a:ln>
+              <a:solidFill>
+                <a:srgbClr val="333333"/>
+              </a:solidFill>
+              <a:effectLst/>
+              <a:latin typeface="Arial Unicode MS"/>
+              <a:ea typeface="Monaco"/>
+            </a:endParaRPr>
+          </a:p>
+          <a:p>
+            <a:pPr marL="0" marR="0" lvl="0" indent="0" algn="l" defTabSz="914400" rtl="0" eaLnBrk="0" fontAlgn="base" latinLnBrk="0" hangingPunct="0">
+              <a:lnSpc>
+                <a:spcPct val="100000"/>
+              </a:lnSpc>
+              <a:spcBef>
+                <a:spcPct val="0"/>
+              </a:spcBef>
+              <a:spcAft>
+                <a:spcPct val="0"/>
+              </a:spcAft>
+              <a:buClrTx/>
+              <a:buSzTx/>
+              <a:buFontTx/>
+              <a:buNone/>
+              <a:tabLst/>
+            </a:pPr>
+            <a:r>
+              <a:rPr kumimoji="0" lang="ko-KR" altLang="ko-KR" b="0" i="0" u="none" strike="noStrike" cap="none" normalizeH="0" baseline="0" dirty="0">
+                <a:ln>
+                  <a:noFill/>
+                </a:ln>
+                <a:solidFill>
+                  <a:srgbClr val="333333"/>
+                </a:solidFill>
+                <a:effectLst/>
+                <a:latin typeface="Arial Unicode MS"/>
+                <a:ea typeface="Monaco"/>
+              </a:rPr>
+              <a:t>"</a:t>
+            </a:r>
+            <a:r>
+              <a:rPr kumimoji="0" lang="ko-KR" altLang="ko-KR" b="0" i="0" u="none" strike="noStrike" cap="none" normalizeH="0" baseline="0" dirty="0" err="1">
+                <a:ln>
+                  <a:noFill/>
+                </a:ln>
+                <a:solidFill>
+                  <a:srgbClr val="333333"/>
+                </a:solidFill>
+                <a:effectLst/>
+                <a:latin typeface="Arial Unicode MS"/>
+                <a:ea typeface="Monaco"/>
+              </a:rPr>
+              <a:t>name</a:t>
+            </a:r>
+            <a:r>
+              <a:rPr kumimoji="0" lang="ko-KR" altLang="ko-KR" b="0" i="0" u="none" strike="noStrike" cap="none" normalizeH="0" baseline="0" dirty="0">
+                <a:ln>
+                  <a:noFill/>
+                </a:ln>
+                <a:solidFill>
+                  <a:srgbClr val="333333"/>
+                </a:solidFill>
+                <a:effectLst/>
+                <a:latin typeface="Arial Unicode MS"/>
+                <a:ea typeface="Monaco"/>
+              </a:rPr>
+              <a:t>" : "</a:t>
+            </a:r>
+            <a:r>
+              <a:rPr kumimoji="0" lang="ko-KR" altLang="ko-KR" b="0" i="0" u="none" strike="noStrike" cap="none" normalizeH="0" baseline="0" dirty="0" err="1">
+                <a:ln>
+                  <a:noFill/>
+                </a:ln>
+                <a:solidFill>
+                  <a:srgbClr val="333333"/>
+                </a:solidFill>
+                <a:effectLst/>
+                <a:latin typeface="Arial Unicode MS"/>
+                <a:ea typeface="Monaco"/>
+              </a:rPr>
+              <a:t>David</a:t>
+            </a:r>
+            <a:r>
+              <a:rPr kumimoji="0" lang="ko-KR" altLang="ko-KR" b="0" i="0" u="none" strike="noStrike" cap="none" normalizeH="0" baseline="0" dirty="0">
+                <a:ln>
+                  <a:noFill/>
+                </a:ln>
+                <a:solidFill>
+                  <a:srgbClr val="333333"/>
+                </a:solidFill>
+                <a:effectLst/>
+                <a:latin typeface="Arial Unicode MS"/>
+                <a:ea typeface="Monaco"/>
+              </a:rPr>
+              <a:t> </a:t>
+            </a:r>
+            <a:r>
+              <a:rPr kumimoji="0" lang="ko-KR" altLang="ko-KR" b="0" i="0" u="none" strike="noStrike" cap="none" normalizeH="0" baseline="0" dirty="0" err="1">
+                <a:ln>
+                  <a:noFill/>
+                </a:ln>
+                <a:solidFill>
+                  <a:srgbClr val="333333"/>
+                </a:solidFill>
+                <a:effectLst/>
+                <a:latin typeface="Arial Unicode MS"/>
+                <a:ea typeface="Monaco"/>
+              </a:rPr>
+              <a:t>Oh</a:t>
+            </a:r>
+            <a:r>
+              <a:rPr kumimoji="0" lang="ko-KR" altLang="ko-KR" b="0" i="0" u="none" strike="noStrike" cap="none" normalizeH="0" baseline="0" dirty="0">
+                <a:ln>
+                  <a:noFill/>
+                </a:ln>
+                <a:solidFill>
+                  <a:srgbClr val="333333"/>
+                </a:solidFill>
+                <a:effectLst/>
+                <a:latin typeface="Arial Unicode MS"/>
+                <a:ea typeface="Monaco"/>
+              </a:rPr>
+              <a:t>", </a:t>
+            </a:r>
+            <a:endParaRPr kumimoji="0" lang="en-US" altLang="ko-KR" b="0" i="0" u="none" strike="noStrike" cap="none" normalizeH="0" baseline="0" dirty="0">
+              <a:ln>
+                <a:noFill/>
+              </a:ln>
+              <a:solidFill>
+                <a:srgbClr val="333333"/>
+              </a:solidFill>
+              <a:effectLst/>
+              <a:latin typeface="Arial Unicode MS"/>
+              <a:ea typeface="Monaco"/>
+            </a:endParaRPr>
+          </a:p>
+          <a:p>
+            <a:pPr marL="0" marR="0" lvl="0" indent="0" algn="l" defTabSz="914400" rtl="0" eaLnBrk="0" fontAlgn="base" latinLnBrk="0" hangingPunct="0">
+              <a:lnSpc>
+                <a:spcPct val="100000"/>
+              </a:lnSpc>
+              <a:spcBef>
+                <a:spcPct val="0"/>
+              </a:spcBef>
+              <a:spcAft>
+                <a:spcPct val="0"/>
+              </a:spcAft>
+              <a:buClrTx/>
+              <a:buSzTx/>
+              <a:buFontTx/>
+              <a:buNone/>
+              <a:tabLst/>
+            </a:pPr>
+            <a:r>
+              <a:rPr kumimoji="0" lang="ko-KR" altLang="ko-KR" b="0" i="0" u="none" strike="noStrike" cap="none" normalizeH="0" baseline="0" dirty="0">
+                <a:ln>
+                  <a:noFill/>
+                </a:ln>
+                <a:solidFill>
+                  <a:srgbClr val="333333"/>
+                </a:solidFill>
+                <a:effectLst/>
+                <a:latin typeface="Arial Unicode MS"/>
+                <a:ea typeface="Monaco"/>
+              </a:rPr>
+              <a:t>"</a:t>
+            </a:r>
+            <a:r>
+              <a:rPr kumimoji="0" lang="ko-KR" altLang="ko-KR" b="0" i="0" u="none" strike="noStrike" cap="none" normalizeH="0" baseline="0" dirty="0" err="1">
+                <a:ln>
+                  <a:noFill/>
+                </a:ln>
+                <a:solidFill>
+                  <a:srgbClr val="333333"/>
+                </a:solidFill>
+                <a:effectLst/>
+                <a:latin typeface="Arial Unicode MS"/>
+                <a:ea typeface="Monaco"/>
+              </a:rPr>
+              <a:t>age</a:t>
+            </a:r>
+            <a:r>
+              <a:rPr kumimoji="0" lang="ko-KR" altLang="ko-KR" b="0" i="0" u="none" strike="noStrike" cap="none" normalizeH="0" baseline="0" dirty="0">
+                <a:ln>
+                  <a:noFill/>
+                </a:ln>
+                <a:solidFill>
+                  <a:srgbClr val="333333"/>
+                </a:solidFill>
+                <a:effectLst/>
+                <a:latin typeface="Arial Unicode MS"/>
+                <a:ea typeface="Monaco"/>
+              </a:rPr>
+              <a:t>" : 24,</a:t>
+            </a:r>
+            <a:endParaRPr kumimoji="0" lang="en-US" altLang="ko-KR" b="0" i="0" u="none" strike="noStrike" cap="none" normalizeH="0" baseline="0" dirty="0">
+              <a:ln>
+                <a:noFill/>
+              </a:ln>
+              <a:solidFill>
+                <a:srgbClr val="333333"/>
+              </a:solidFill>
+              <a:effectLst/>
+              <a:latin typeface="Arial Unicode MS"/>
+              <a:ea typeface="Monaco"/>
+            </a:endParaRPr>
+          </a:p>
+          <a:p>
+            <a:pPr marL="0" marR="0" lvl="0" indent="0" algn="l" defTabSz="914400" rtl="0" eaLnBrk="0" fontAlgn="base" latinLnBrk="0" hangingPunct="0">
+              <a:lnSpc>
+                <a:spcPct val="100000"/>
+              </a:lnSpc>
+              <a:spcBef>
+                <a:spcPct val="0"/>
+              </a:spcBef>
+              <a:spcAft>
+                <a:spcPct val="0"/>
+              </a:spcAft>
+              <a:buClrTx/>
+              <a:buSzTx/>
+              <a:buFontTx/>
+              <a:buNone/>
+              <a:tabLst/>
+            </a:pPr>
+            <a:r>
+              <a:rPr kumimoji="0" lang="ko-KR" altLang="ko-KR" b="0" i="0" u="none" strike="noStrike" cap="none" normalizeH="0" baseline="0" dirty="0">
+                <a:ln>
+                  <a:noFill/>
+                </a:ln>
+                <a:solidFill>
+                  <a:srgbClr val="333333"/>
+                </a:solidFill>
+                <a:effectLst/>
+                <a:latin typeface="Arial Unicode MS"/>
+                <a:ea typeface="Monaco"/>
+              </a:rPr>
+              <a:t> "</a:t>
+            </a:r>
+            <a:r>
+              <a:rPr kumimoji="0" lang="ko-KR" altLang="ko-KR" b="0" i="0" u="none" strike="noStrike" cap="none" normalizeH="0" baseline="0" dirty="0" err="1">
+                <a:ln>
+                  <a:noFill/>
+                </a:ln>
+                <a:solidFill>
+                  <a:srgbClr val="333333"/>
+                </a:solidFill>
+                <a:effectLst/>
+                <a:latin typeface="Arial Unicode MS"/>
+                <a:ea typeface="Monaco"/>
+              </a:rPr>
+              <a:t>major</a:t>
+            </a:r>
+            <a:r>
+              <a:rPr kumimoji="0" lang="ko-KR" altLang="ko-KR" b="0" i="0" u="none" strike="noStrike" cap="none" normalizeH="0" baseline="0" dirty="0">
+                <a:ln>
+                  <a:noFill/>
+                </a:ln>
+                <a:solidFill>
+                  <a:srgbClr val="333333"/>
+                </a:solidFill>
+                <a:effectLst/>
+                <a:latin typeface="Arial Unicode MS"/>
+                <a:ea typeface="Monaco"/>
+              </a:rPr>
+              <a:t>" : "</a:t>
+            </a:r>
+            <a:r>
+              <a:rPr kumimoji="0" lang="ko-KR" altLang="ko-KR" b="0" i="0" u="none" strike="noStrike" cap="none" normalizeH="0" baseline="0" dirty="0" err="1">
+                <a:ln>
+                  <a:noFill/>
+                </a:ln>
+                <a:solidFill>
+                  <a:srgbClr val="333333"/>
+                </a:solidFill>
+                <a:effectLst/>
+                <a:latin typeface="Arial Unicode MS"/>
+                <a:ea typeface="Monaco"/>
+              </a:rPr>
+              <a:t>Japanense</a:t>
+            </a:r>
+            <a:r>
+              <a:rPr kumimoji="0" lang="ko-KR" altLang="en-US" b="0" i="0" u="none" strike="noStrike" cap="none" normalizeH="0" baseline="0" dirty="0">
+                <a:ln>
+                  <a:noFill/>
+                </a:ln>
+                <a:solidFill>
+                  <a:srgbClr val="333333"/>
+                </a:solidFill>
+                <a:effectLst/>
+                <a:latin typeface="Arial Unicode MS"/>
+                <a:ea typeface="Monaco"/>
+              </a:rPr>
+              <a:t>“</a:t>
+            </a:r>
+            <a:endParaRPr kumimoji="0" lang="en-US" altLang="ko-KR" b="0" i="0" u="none" strike="noStrike" cap="none" normalizeH="0" baseline="0" dirty="0">
+              <a:ln>
+                <a:noFill/>
+              </a:ln>
+              <a:solidFill>
+                <a:srgbClr val="333333"/>
+              </a:solidFill>
+              <a:effectLst/>
+              <a:latin typeface="Arial Unicode MS"/>
+              <a:ea typeface="Monaco"/>
+            </a:endParaRPr>
+          </a:p>
+          <a:p>
+            <a:pPr marL="0" marR="0" lvl="0" indent="0" algn="l" defTabSz="914400" rtl="0" eaLnBrk="0" fontAlgn="base" latinLnBrk="0" hangingPunct="0">
+              <a:lnSpc>
+                <a:spcPct val="100000"/>
+              </a:lnSpc>
+              <a:spcBef>
+                <a:spcPct val="0"/>
+              </a:spcBef>
+              <a:spcAft>
+                <a:spcPct val="0"/>
+              </a:spcAft>
+              <a:buClrTx/>
+              <a:buSzTx/>
+              <a:buFontTx/>
+              <a:buNone/>
+              <a:tabLst/>
+            </a:pPr>
+            <a:r>
+              <a:rPr kumimoji="0" lang="ko-KR" altLang="ko-KR" b="0" i="0" u="none" strike="noStrike" cap="none" normalizeH="0" baseline="0" dirty="0">
+                <a:ln>
+                  <a:noFill/>
+                </a:ln>
+                <a:solidFill>
+                  <a:srgbClr val="333333"/>
+                </a:solidFill>
+                <a:effectLst/>
+                <a:latin typeface="Arial Unicode MS"/>
+                <a:ea typeface="Monaco"/>
+              </a:rPr>
+              <a:t> }</a:t>
+            </a:r>
+            <a:r>
+              <a:rPr kumimoji="0" lang="ko-KR" altLang="ko-KR" b="0" i="0" u="none" strike="noStrike" cap="none" normalizeH="0" baseline="0" dirty="0">
+                <a:ln>
+                  <a:noFill/>
+                </a:ln>
+                <a:solidFill>
+                  <a:schemeClr val="tx1"/>
+                </a:solidFill>
+                <a:effectLst/>
+              </a:rPr>
+              <a:t> </a:t>
+            </a:r>
+            <a:endParaRPr kumimoji="0" lang="ko-KR" altLang="ko-KR" b="0" i="0" u="none" strike="noStrike" cap="none" normalizeH="0" baseline="0" dirty="0">
+              <a:ln>
+                <a:noFill/>
+              </a:ln>
+              <a:solidFill>
+                <a:schemeClr val="tx1"/>
+              </a:solidFill>
+              <a:effectLst/>
+              <a:latin typeface="Arial" panose="020B0604020202020204" pitchFamily="34" charset="0"/>
+            </a:endParaRPr>
+          </a:p>
+        </p:txBody>
+      </p:sp>
+    </p:spTree>
+    <p:extLst>
+      <p:ext uri="{BB962C8B-B14F-4D97-AF65-F5344CB8AC3E}">
+        <p14:creationId xmlns:p14="http://schemas.microsoft.com/office/powerpoint/2010/main" val="2658246300"/>
+      </p:ext>
+    </p:extLst>
+  </p:cSld>
+  <p:clrMapOvr>
+    <a:masterClrMapping/>
+  </p:clrMapOvr>
+</p:sld>
+</file>
+
+<file path=ppt/slides/slide11.xml><?xml version="1.0" encoding="utf-8"?>
+<p:sld xmlns:a="http://schemas.openxmlformats.org/drawingml/2006/main" xmlns:r="http://schemas.openxmlformats.org/officeDocument/2006/relationships" xmlns:p="http://schemas.openxmlformats.org/presentationml/2006/main">
+  <p:cSld>
+    <p:spTree>
+      <p:nvGrpSpPr>
+        <p:cNvPr id="1" name=""/>
+        <p:cNvGrpSpPr/>
+        <p:nvPr/>
+      </p:nvGrpSpPr>
+      <p:grpSpPr>
+        <a:xfrm>
+          <a:off x="0" y="0"/>
+          <a:ext cx="0" cy="0"/>
+          <a:chOff x="0" y="0"/>
+          <a:chExt cx="0" cy="0"/>
+        </a:xfrm>
+      </p:grpSpPr>
+      <p:sp>
+        <p:nvSpPr>
+          <p:cNvPr id="2" name="제목 1">
+            <a:extLst>
+              <a:ext uri="{FF2B5EF4-FFF2-40B4-BE49-F238E27FC236}">
+                <a16:creationId xmlns:a16="http://schemas.microsoft.com/office/drawing/2014/main" id="{97673614-F306-4EC1-A968-0F57C2066A0A}"/>
+              </a:ext>
+            </a:extLst>
+          </p:cNvPr>
+          <p:cNvSpPr>
+            <a:spLocks noGrp="1"/>
+          </p:cNvSpPr>
+          <p:nvPr>
+            <p:ph type="title"/>
+          </p:nvPr>
+        </p:nvSpPr>
+        <p:spPr/>
+        <p:txBody>
+          <a:bodyPr/>
+          <a:lstStyle/>
+          <a:p>
+            <a:r>
+              <a:rPr lang="ko-KR" altLang="en-US" dirty="0"/>
+              <a:t>공간정보 다루기</a:t>
+            </a:r>
+          </a:p>
+        </p:txBody>
+      </p:sp>
+      <p:sp>
+        <p:nvSpPr>
+          <p:cNvPr id="4" name="내용 개체 틀 3">
+            <a:extLst>
+              <a:ext uri="{FF2B5EF4-FFF2-40B4-BE49-F238E27FC236}">
+                <a16:creationId xmlns:a16="http://schemas.microsoft.com/office/drawing/2014/main" id="{FE6D19C3-69DF-43D3-B502-81E621DACA7A}"/>
+              </a:ext>
+            </a:extLst>
+          </p:cNvPr>
+          <p:cNvSpPr>
+            <a:spLocks noGrp="1"/>
+          </p:cNvSpPr>
+          <p:nvPr>
+            <p:ph idx="1"/>
+          </p:nvPr>
+        </p:nvSpPr>
+        <p:spPr/>
+        <p:txBody>
+          <a:bodyPr>
+            <a:normAutofit fontScale="77500" lnSpcReduction="20000"/>
+          </a:bodyPr>
+          <a:lstStyle/>
+          <a:p>
+            <a:r>
+              <a:rPr lang="ko-KR" altLang="en-US" dirty="0"/>
+              <a:t> 애초에 모든 문제 중 가장 큰 문제는 </a:t>
+            </a:r>
+            <a:r>
+              <a:rPr lang="en-US" altLang="ko-KR" dirty="0" err="1"/>
+              <a:t>mongodb</a:t>
+            </a:r>
+            <a:r>
+              <a:rPr lang="ko-KR" altLang="en-US" dirty="0"/>
+              <a:t>에 공간정보를 </a:t>
+            </a:r>
+            <a:r>
+              <a:rPr lang="en-US" altLang="ko-KR" dirty="0"/>
+              <a:t>insert</a:t>
+            </a:r>
+            <a:r>
+              <a:rPr lang="ko-KR" altLang="en-US" dirty="0"/>
+              <a:t>하고</a:t>
+            </a:r>
+            <a:r>
+              <a:rPr lang="en-US" altLang="ko-KR" dirty="0"/>
+              <a:t>,select </a:t>
+            </a:r>
+            <a:r>
+              <a:rPr lang="ko-KR" altLang="en-US" dirty="0" err="1"/>
+              <a:t>할수있는냐</a:t>
+            </a:r>
+            <a:r>
+              <a:rPr lang="ko-KR" altLang="en-US" dirty="0"/>
+              <a:t> 가 관건이었으나</a:t>
+            </a:r>
+            <a:endParaRPr lang="en-US" altLang="ko-KR" dirty="0"/>
+          </a:p>
+          <a:p>
+            <a:pPr marL="0" indent="0">
+              <a:buNone/>
+            </a:pPr>
+            <a:r>
+              <a:rPr lang="en-US" altLang="ko-KR" dirty="0"/>
+              <a:t>  </a:t>
+            </a:r>
+            <a:r>
+              <a:rPr lang="en-US" altLang="ko-KR" dirty="0">
+                <a:sym typeface="Wingdings" panose="05000000000000000000" pitchFamily="2" charset="2"/>
+              </a:rPr>
+              <a:t> NOSQL </a:t>
+            </a:r>
+            <a:r>
+              <a:rPr lang="ko-KR" altLang="en-US" dirty="0">
+                <a:sym typeface="Wingdings" panose="05000000000000000000" pitchFamily="2" charset="2"/>
+              </a:rPr>
+              <a:t>기반 하의 </a:t>
+            </a:r>
+            <a:r>
+              <a:rPr lang="en-US" altLang="ko-KR" dirty="0" err="1">
+                <a:sym typeface="Wingdings" panose="05000000000000000000" pitchFamily="2" charset="2"/>
+              </a:rPr>
+              <a:t>Geojson</a:t>
+            </a:r>
+            <a:r>
+              <a:rPr lang="en-US" altLang="ko-KR" dirty="0">
+                <a:sym typeface="Wingdings" panose="05000000000000000000" pitchFamily="2" charset="2"/>
+              </a:rPr>
+              <a:t> </a:t>
+            </a:r>
+            <a:r>
+              <a:rPr lang="ko-KR" altLang="en-US" dirty="0">
+                <a:sym typeface="Wingdings" panose="05000000000000000000" pitchFamily="2" charset="2"/>
+              </a:rPr>
+              <a:t>포맷으로 서비스가 가능 했음</a:t>
+            </a:r>
+            <a:endParaRPr lang="en-US" altLang="ko-KR" dirty="0">
+              <a:sym typeface="Wingdings" panose="05000000000000000000" pitchFamily="2" charset="2"/>
+            </a:endParaRPr>
+          </a:p>
+          <a:p>
+            <a:pPr marL="0" indent="0">
+              <a:buNone/>
+            </a:pPr>
+            <a:r>
+              <a:rPr lang="en-US" altLang="ko-KR" dirty="0"/>
+              <a:t>Example)</a:t>
+            </a:r>
+            <a:endParaRPr lang="ko-KR" altLang="en-US" dirty="0"/>
+          </a:p>
+          <a:p>
+            <a:pPr marL="0" indent="0">
+              <a:buNone/>
+            </a:pPr>
+            <a:r>
+              <a:rPr lang="en-US" altLang="ko-KR" dirty="0" err="1"/>
+              <a:t>db.ogckoreaplaces.insert</a:t>
+            </a:r>
+            <a:r>
+              <a:rPr lang="en-US" altLang="ko-KR" b="1" dirty="0"/>
+              <a:t>({ name: </a:t>
+            </a:r>
+            <a:r>
+              <a:rPr lang="ko-KR" altLang="en-US" b="1" dirty="0"/>
+              <a:t>＇</a:t>
+            </a:r>
+            <a:r>
+              <a:rPr lang="ko-KR" altLang="en-US" b="1" dirty="0" err="1"/>
+              <a:t>부경대</a:t>
+            </a:r>
+            <a:r>
+              <a:rPr lang="ko-KR" altLang="en-US" b="1" dirty="0"/>
+              <a:t> 대연캠퍼스</a:t>
+            </a:r>
+            <a:r>
+              <a:rPr lang="en-US" altLang="ko-KR" b="1" dirty="0"/>
+              <a:t>',</a:t>
+            </a:r>
+            <a:r>
+              <a:rPr lang="ko-KR" altLang="en-US" b="1" dirty="0"/>
+              <a:t>  </a:t>
+            </a:r>
+            <a:r>
+              <a:rPr lang="en-US" altLang="ko-KR" b="1" dirty="0"/>
+              <a:t>location: { type: 'Point',</a:t>
+            </a:r>
+          </a:p>
+          <a:p>
+            <a:pPr marL="0" indent="0">
+              <a:buNone/>
+            </a:pPr>
+            <a:r>
+              <a:rPr lang="en-US" altLang="ko-KR" dirty="0"/>
+              <a:t>    coordinates</a:t>
+            </a:r>
+            <a:r>
+              <a:rPr lang="en-US" altLang="ko-KR" b="1" dirty="0"/>
+              <a:t>: [</a:t>
+            </a:r>
+          </a:p>
+          <a:p>
+            <a:pPr marL="0" indent="0">
+              <a:buNone/>
+            </a:pPr>
+            <a:r>
+              <a:rPr lang="ko-KR" altLang="en-US" dirty="0"/>
+              <a:t>      </a:t>
+            </a:r>
+            <a:r>
+              <a:rPr lang="en-US" altLang="ko-KR" dirty="0"/>
+              <a:t>129.103065834</a:t>
+            </a:r>
+            <a:r>
+              <a:rPr lang="en-US" altLang="ko-KR" b="1" dirty="0"/>
+              <a:t>,</a:t>
+            </a:r>
+            <a:r>
+              <a:rPr lang="ko-KR" altLang="en-US" b="1" dirty="0"/>
+              <a:t> </a:t>
+            </a:r>
+            <a:r>
+              <a:rPr lang="en-US" altLang="ko-KR" b="1" dirty="0"/>
+              <a:t>35.13478282</a:t>
+            </a:r>
+          </a:p>
+          <a:p>
+            <a:pPr marL="0" indent="0">
+              <a:buNone/>
+            </a:pPr>
+            <a:r>
+              <a:rPr lang="ko-KR" altLang="en-US" dirty="0"/>
+              <a:t>    </a:t>
+            </a:r>
+            <a:r>
+              <a:rPr lang="en-US" altLang="ko-KR" b="1" dirty="0"/>
+              <a:t>]</a:t>
+            </a:r>
+          </a:p>
+          <a:p>
+            <a:pPr marL="0" indent="0">
+              <a:buNone/>
+            </a:pPr>
+            <a:r>
+              <a:rPr lang="ko-KR" altLang="en-US" dirty="0"/>
+              <a:t>  </a:t>
+            </a:r>
+            <a:r>
+              <a:rPr lang="en-US" altLang="ko-KR" b="1" dirty="0"/>
+              <a:t>}</a:t>
+            </a:r>
+          </a:p>
+          <a:p>
+            <a:pPr marL="0" indent="0">
+              <a:buNone/>
+            </a:pPr>
+            <a:r>
+              <a:rPr lang="en-US" altLang="ko-KR" b="1" dirty="0"/>
+              <a:t>})</a:t>
+            </a:r>
+          </a:p>
+          <a:p>
+            <a:pPr marL="0" indent="0">
+              <a:buNone/>
+            </a:pPr>
+            <a:endParaRPr lang="ko-KR" altLang="en-US" dirty="0"/>
+          </a:p>
+        </p:txBody>
+      </p:sp>
+      <p:sp>
+        <p:nvSpPr>
+          <p:cNvPr id="8" name="TextBox 7">
+            <a:extLst>
+              <a:ext uri="{FF2B5EF4-FFF2-40B4-BE49-F238E27FC236}">
+                <a16:creationId xmlns:a16="http://schemas.microsoft.com/office/drawing/2014/main" id="{B2D0D067-3C6F-490D-8730-358B0F657646}"/>
+              </a:ext>
+            </a:extLst>
+          </p:cNvPr>
+          <p:cNvSpPr txBox="1"/>
+          <p:nvPr/>
+        </p:nvSpPr>
+        <p:spPr>
+          <a:xfrm>
+            <a:off x="2375738" y="6629400"/>
+            <a:ext cx="8338657" cy="916497"/>
+          </a:xfrm>
+          <a:prstGeom prst="rect">
+            <a:avLst/>
+          </a:prstGeom>
+          <a:noFill/>
+        </p:spPr>
+        <p:txBody>
+          <a:bodyPr wrap="square" rtlCol="0">
+            <a:spAutoFit/>
+          </a:bodyPr>
+          <a:lstStyle/>
+          <a:p>
+            <a:endParaRPr lang="ko-KR" altLang="en-US" dirty="0"/>
+          </a:p>
+        </p:txBody>
+      </p:sp>
+    </p:spTree>
+    <p:extLst>
+      <p:ext uri="{BB962C8B-B14F-4D97-AF65-F5344CB8AC3E}">
+        <p14:creationId xmlns:p14="http://schemas.microsoft.com/office/powerpoint/2010/main" val="1045800185"/>
+      </p:ext>
+    </p:extLst>
+  </p:cSld>
+  <p:clrMapOvr>
+    <a:masterClrMapping/>
+  </p:clrMapOvr>
+</p:sld>
+</file>
+
+<file path=ppt/slides/slide12.xml><?xml version="1.0" encoding="utf-8"?>
+<p:sld xmlns:a="http://schemas.openxmlformats.org/drawingml/2006/main" xmlns:r="http://schemas.openxmlformats.org/officeDocument/2006/relationships" xmlns:p="http://schemas.openxmlformats.org/presentationml/2006/main">
+  <p:cSld>
+    <p:spTree>
+      <p:nvGrpSpPr>
+        <p:cNvPr id="1" name=""/>
+        <p:cNvGrpSpPr/>
+        <p:nvPr/>
+      </p:nvGrpSpPr>
+      <p:grpSpPr>
+        <a:xfrm>
+          <a:off x="0" y="0"/>
+          <a:ext cx="0" cy="0"/>
+          <a:chOff x="0" y="0"/>
+          <a:chExt cx="0" cy="0"/>
+        </a:xfrm>
+      </p:grpSpPr>
+      <p:sp>
+        <p:nvSpPr>
+          <p:cNvPr id="2" name="제목 1">
+            <a:extLst>
+              <a:ext uri="{FF2B5EF4-FFF2-40B4-BE49-F238E27FC236}">
+                <a16:creationId xmlns:a16="http://schemas.microsoft.com/office/drawing/2014/main" id="{78A42DF7-4684-420E-9860-3FF5066B225C}"/>
+              </a:ext>
+            </a:extLst>
+          </p:cNvPr>
+          <p:cNvSpPr>
+            <a:spLocks noGrp="1"/>
+          </p:cNvSpPr>
+          <p:nvPr>
+            <p:ph type="title"/>
+          </p:nvPr>
+        </p:nvSpPr>
+        <p:spPr/>
+        <p:txBody>
+          <a:bodyPr/>
+          <a:lstStyle/>
+          <a:p>
+            <a:r>
+              <a:rPr lang="ko-KR" altLang="en-US" dirty="0"/>
+              <a:t>지원되는 공간정보 타입</a:t>
+            </a:r>
+          </a:p>
+        </p:txBody>
+      </p:sp>
+      <p:sp>
+        <p:nvSpPr>
+          <p:cNvPr id="3" name="내용 개체 틀 2">
+            <a:extLst>
+              <a:ext uri="{FF2B5EF4-FFF2-40B4-BE49-F238E27FC236}">
+                <a16:creationId xmlns:a16="http://schemas.microsoft.com/office/drawing/2014/main" id="{FE6DCEA0-6537-405E-902D-7EB94B5F081D}"/>
+              </a:ext>
+            </a:extLst>
+          </p:cNvPr>
+          <p:cNvSpPr>
+            <a:spLocks noGrp="1"/>
+          </p:cNvSpPr>
+          <p:nvPr>
+            <p:ph idx="1"/>
+          </p:nvPr>
+        </p:nvSpPr>
+        <p:spPr>
+          <a:xfrm>
+            <a:off x="924444" y="1900268"/>
+            <a:ext cx="10353762" cy="3695136"/>
+          </a:xfrm>
+        </p:spPr>
+        <p:txBody>
+          <a:bodyPr/>
+          <a:lstStyle/>
+          <a:p>
+            <a:r>
+              <a:rPr lang="en-US" altLang="ko-KR" dirty="0" err="1"/>
+              <a:t>Geojson</a:t>
+            </a:r>
+            <a:r>
+              <a:rPr lang="en-US" altLang="ko-KR" dirty="0"/>
+              <a:t> </a:t>
+            </a:r>
+            <a:r>
+              <a:rPr lang="ko-KR" altLang="en-US" dirty="0"/>
+              <a:t>타입에서 지원하는 공간정보 타입을 모두 지원 함</a:t>
+            </a:r>
+            <a:endParaRPr lang="en-US" altLang="ko-KR" dirty="0"/>
+          </a:p>
+          <a:p>
+            <a:pPr marL="0" indent="0">
+              <a:buNone/>
+            </a:pPr>
+            <a:endParaRPr lang="en-US" altLang="ko-KR" dirty="0"/>
+          </a:p>
+          <a:p>
+            <a:endParaRPr lang="ko-KR" altLang="en-US" dirty="0"/>
+          </a:p>
+        </p:txBody>
+      </p:sp>
+      <p:pic>
+        <p:nvPicPr>
+          <p:cNvPr id="2050" name="Picture 2" descr="공간정보타입에 대한 이미지 검색결과">
+            <a:extLst>
+              <a:ext uri="{FF2B5EF4-FFF2-40B4-BE49-F238E27FC236}">
+                <a16:creationId xmlns:a16="http://schemas.microsoft.com/office/drawing/2014/main" id="{BECAF0A6-3EDD-4845-9406-1EEF5F825B60}"/>
+              </a:ext>
+            </a:extLst>
+          </p:cNvPr>
+          <p:cNvPicPr>
+            <a:picLocks noChangeAspect="1" noChangeArrowheads="1"/>
+          </p:cNvPicPr>
+          <p:nvPr/>
+        </p:nvPicPr>
+        <p:blipFill>
+          <a:blip r:embed="rId2">
+            <a:extLst>
+              <a:ext uri="{28A0092B-C50C-407E-A947-70E740481C1C}">
+                <a14:useLocalDpi xmlns:a14="http://schemas.microsoft.com/office/drawing/2010/main" val="0"/>
+              </a:ext>
+            </a:extLst>
+          </a:blip>
+          <a:srcRect/>
+          <a:stretch>
+            <a:fillRect/>
+          </a:stretch>
+        </p:blipFill>
+        <p:spPr bwMode="auto">
+          <a:xfrm>
+            <a:off x="2272837" y="2742667"/>
+            <a:ext cx="6785438" cy="3610508"/>
+          </a:xfrm>
+          <a:prstGeom prst="rect">
+            <a:avLst/>
+          </a:prstGeom>
+          <a:noFill/>
+          <a:extLst>
+            <a:ext uri="{909E8E84-426E-40DD-AFC4-6F175D3DCCD1}">
+              <a14:hiddenFill xmlns:a14="http://schemas.microsoft.com/office/drawing/2010/main">
+                <a:solidFill>
+                  <a:srgbClr val="FFFFFF"/>
+                </a:solidFill>
+              </a14:hiddenFill>
+            </a:ext>
+          </a:extLst>
+        </p:spPr>
+      </p:pic>
+    </p:spTree>
+    <p:extLst>
+      <p:ext uri="{BB962C8B-B14F-4D97-AF65-F5344CB8AC3E}">
+        <p14:creationId xmlns:p14="http://schemas.microsoft.com/office/powerpoint/2010/main" val="1209151006"/>
+      </p:ext>
+    </p:extLst>
+  </p:cSld>
+  <p:clrMapOvr>
+    <a:masterClrMapping/>
+  </p:clrMapOvr>
+</p:sld>
+</file>
+
+<file path=ppt/slides/slide13.xml><?xml version="1.0" encoding="utf-8"?>
+<p:sld xmlns:a="http://schemas.openxmlformats.org/drawingml/2006/main" xmlns:r="http://schemas.openxmlformats.org/officeDocument/2006/relationships" xmlns:p="http://schemas.openxmlformats.org/presentationml/2006/main">
+  <p:cSld>
+    <p:bg>
+      <p:bgPr>
+        <a:blipFill rotWithShape="1">
+          <a:blip r:embed="rId2">
+            <a:duotone>
+              <a:schemeClr val="bg2">
+                <a:shade val="18000"/>
+                <a:satMod val="160000"/>
+                <a:lumMod val="28000"/>
+              </a:schemeClr>
+              <a:schemeClr val="bg2">
+                <a:tint val="95000"/>
+                <a:satMod val="160000"/>
+                <a:lumMod val="116000"/>
+              </a:schemeClr>
+            </a:duotone>
+          </a:blip>
+          <a:stretch/>
+        </a:blipFill>
+        <a:effectLst/>
+      </p:bgPr>
+    </p:bg>
+    <p:spTree>
+      <p:nvGrpSpPr>
+        <p:cNvPr id="1" name=""/>
+        <p:cNvGrpSpPr/>
+        <p:nvPr/>
+      </p:nvGrpSpPr>
+      <p:grpSpPr>
+        <a:xfrm>
+          <a:off x="0" y="0"/>
+          <a:ext cx="0" cy="0"/>
+          <a:chOff x="0" y="0"/>
+          <a:chExt cx="0" cy="0"/>
+        </a:xfrm>
+      </p:grpSpPr>
+      <p:pic>
+        <p:nvPicPr>
+          <p:cNvPr id="5" name="Picture 4">
+            <a:extLst>
+              <a:ext uri="{FF2B5EF4-FFF2-40B4-BE49-F238E27FC236}">
+                <a16:creationId xmlns:a16="http://schemas.microsoft.com/office/drawing/2014/main" id="{98A4F16D-5063-4FBF-8306-E10457214965}"/>
+              </a:ext>
+            </a:extLst>
+          </p:cNvPr>
+          <p:cNvPicPr>
+            <a:picLocks noChangeAspect="1"/>
+          </p:cNvPicPr>
+          <p:nvPr/>
+        </p:nvPicPr>
+        <p:blipFill rotWithShape="1">
+          <a:blip r:embed="rId3"/>
+          <a:srcRect b="15755"/>
+          <a:stretch/>
+        </p:blipFill>
+        <p:spPr>
+          <a:xfrm>
+            <a:off x="20" y="2030"/>
+            <a:ext cx="12191980" cy="6855970"/>
+          </a:xfrm>
+          <a:prstGeom prst="rect">
+            <a:avLst/>
+          </a:prstGeom>
+        </p:spPr>
+      </p:pic>
+      <p:sp>
+        <p:nvSpPr>
+          <p:cNvPr id="9" name="Rectangle 8">
+            <a:extLst>
+              <a:ext uri="{FF2B5EF4-FFF2-40B4-BE49-F238E27FC236}">
+                <a16:creationId xmlns:a16="http://schemas.microsoft.com/office/drawing/2014/main" id="{BD1CAB03-F6A4-4736-85F6-261056424D9D}"/>
+              </a:ext>
+              <a:ext uri="{C183D7F6-B498-43B3-948B-1728B52AA6E4}">
+                <adec:decorative xmlns:adec="http://schemas.microsoft.com/office/drawing/2017/decorative" val="1"/>
+              </a:ext>
+            </a:extLst>
+          </p:cNvPr>
+          <p:cNvSpPr>
+            <a:spLocks noGrp="1" noRot="1" noChangeAspect="1" noMove="1" noResize="1" noEditPoints="1" noAdjustHandles="1" noChangeArrowheads="1" noChangeShapeType="1" noTextEdit="1"/>
+          </p:cNvSpPr>
+          <p:nvPr>
+            <p:extLst>
+              <p:ext uri="{386F3935-93C4-4BCD-93E2-E3B085C9AB24}">
+                <p16:designElem xmlns:p16="http://schemas.microsoft.com/office/powerpoint/2015/main" val="1"/>
+              </p:ext>
+            </p:extLst>
+          </p:nvPr>
+        </p:nvSpPr>
+        <p:spPr>
+          <a:xfrm>
+            <a:off x="0" y="2030"/>
+            <a:ext cx="12192000" cy="6858000"/>
+          </a:xfrm>
+          <a:prstGeom prst="rect">
+            <a:avLst/>
+          </a:prstGeom>
+          <a:gradFill flip="none" rotWithShape="1">
+            <a:gsLst>
+              <a:gs pos="32000">
+                <a:schemeClr val="bg2">
+                  <a:lumMod val="75000"/>
+                  <a:alpha val="3000"/>
+                </a:schemeClr>
+              </a:gs>
+              <a:gs pos="100000">
+                <a:sysClr val="windowText" lastClr="000000">
+                  <a:alpha val="70000"/>
+                </a:sysClr>
+              </a:gs>
+            </a:gsLst>
+            <a:path path="circle">
+              <a:fillToRect l="50000" t="5000" r="50000" b="95000"/>
+            </a:path>
+            <a:tileRect/>
+          </a:gradFill>
+          <a:ln w="9525" cap="flat" cmpd="sng" algn="ctr">
+            <a:noFill/>
+            <a:prstDash val="solid"/>
+          </a:ln>
+          <a:effectLst/>
+        </p:spPr>
+        <p:txBody>
+          <a:bodyPr rtlCol="0" anchor="ctr"/>
+          <a:lstStyle/>
+          <a:p>
+            <a:pPr marL="0" marR="0" lvl="0" indent="0" algn="ctr" defTabSz="457200" eaLnBrk="1" fontAlgn="auto" latinLnBrk="0" hangingPunct="1">
+              <a:lnSpc>
+                <a:spcPct val="100000"/>
+              </a:lnSpc>
+              <a:spcBef>
+                <a:spcPts val="0"/>
+              </a:spcBef>
+              <a:spcAft>
+                <a:spcPts val="0"/>
+              </a:spcAft>
+              <a:buClrTx/>
+              <a:buSzTx/>
+              <a:buFontTx/>
+              <a:buNone/>
+              <a:tabLst/>
+              <a:defRPr/>
+            </a:pPr>
+            <a:endParaRPr kumimoji="0" lang="en-US" sz="1800" b="0" i="0" u="none" strike="noStrike" kern="0" cap="none" spc="0" normalizeH="0" baseline="0" noProof="0">
+              <a:ln>
+                <a:noFill/>
+              </a:ln>
+              <a:solidFill>
+                <a:prstClr val="white"/>
+              </a:solidFill>
+              <a:effectLst/>
+              <a:uLnTx/>
+              <a:uFillTx/>
+              <a:latin typeface="Calibri"/>
+              <a:ea typeface="+mn-ea"/>
+              <a:cs typeface="+mn-cs"/>
+            </a:endParaRPr>
+          </a:p>
+        </p:txBody>
+      </p:sp>
+      <p:sp>
+        <p:nvSpPr>
+          <p:cNvPr id="11" name="Rectangle 10">
+            <a:extLst>
+              <a:ext uri="{FF2B5EF4-FFF2-40B4-BE49-F238E27FC236}">
+                <a16:creationId xmlns:a16="http://schemas.microsoft.com/office/drawing/2014/main" id="{3E2321B3-5D47-422E-8DD6-192DA485FF63}"/>
+              </a:ext>
+              <a:ext uri="{C183D7F6-B498-43B3-948B-1728B52AA6E4}">
+                <adec:decorative xmlns:adec="http://schemas.microsoft.com/office/drawing/2017/decorative" val="1"/>
+              </a:ext>
+            </a:extLst>
+          </p:cNvPr>
+          <p:cNvSpPr>
+            <a:spLocks noGrp="1" noRot="1" noChangeAspect="1" noMove="1" noResize="1" noEditPoints="1" noAdjustHandles="1" noChangeArrowheads="1" noChangeShapeType="1" noTextEdit="1"/>
+          </p:cNvSpPr>
+          <p:nvPr>
+            <p:extLst>
+              <p:ext uri="{386F3935-93C4-4BCD-93E2-E3B085C9AB24}">
+                <p16:designElem xmlns:p16="http://schemas.microsoft.com/office/powerpoint/2015/main" val="1"/>
+              </p:ext>
+            </p:extLst>
+          </p:nvPr>
+        </p:nvSpPr>
+        <p:spPr>
+          <a:xfrm>
+            <a:off x="0" y="0"/>
+            <a:ext cx="12192000" cy="6858000"/>
+          </a:xfrm>
+          <a:prstGeom prst="rect">
+            <a:avLst/>
+          </a:prstGeom>
+          <a:blipFill dpi="0" rotWithShape="1">
+            <a:blip r:embed="rId2">
+              <a:alphaModFix amt="30000"/>
+              <a:duotone>
+                <a:prstClr val="black"/>
+                <a:schemeClr val="accent3">
+                  <a:tint val="45000"/>
+                  <a:satMod val="400000"/>
+                </a:schemeClr>
+              </a:duotone>
+              <a:extLst>
+                <a:ext uri="{BEBA8EAE-BF5A-486C-A8C5-ECC9F3942E4B}">
+                  <a14:imgProps xmlns:a14="http://schemas.microsoft.com/office/drawing/2010/main">
+                    <a14:imgLayer>
+                      <a14:imgEffect>
+                        <a14:sharpenSoften amount="35000"/>
+                      </a14:imgEffect>
+                    </a14:imgLayer>
+                  </a14:imgProps>
+                </a:ext>
+              </a:extLst>
+            </a:blip>
+            <a:srcRect/>
+            <a:tile tx="0" ty="0" sx="100000" sy="100000" flip="none" algn="ctr"/>
+          </a:blipFill>
+          <a:ln>
+            <a:noFill/>
+          </a:ln>
+        </p:spPr>
+        <p:style>
+          <a:lnRef idx="2">
+            <a:schemeClr val="accent1">
+              <a:shade val="50000"/>
+            </a:schemeClr>
+          </a:lnRef>
+          <a:fillRef idx="1003">
+            <a:schemeClr val="dk2"/>
+          </a:fillRef>
+          <a:effectRef idx="0">
+            <a:schemeClr val="accent1"/>
+          </a:effectRef>
+          <a:fontRef idx="minor">
+            <a:schemeClr val="lt1"/>
+          </a:fontRef>
+        </p:style>
+        <p:txBody>
+          <a:bodyPr rtlCol="0" anchor="ctr"/>
+          <a:lstStyle/>
+          <a:p>
+            <a:pPr algn="ctr"/>
+            <a:endParaRPr lang="en-US"/>
+          </a:p>
+        </p:txBody>
+      </p:sp>
+      <p:sp>
+        <p:nvSpPr>
+          <p:cNvPr id="2" name="제목 1">
+            <a:extLst>
+              <a:ext uri="{FF2B5EF4-FFF2-40B4-BE49-F238E27FC236}">
+                <a16:creationId xmlns:a16="http://schemas.microsoft.com/office/drawing/2014/main" id="{FE6E7386-9D58-4CE1-A56C-30D6255F5972}"/>
+              </a:ext>
+            </a:extLst>
+          </p:cNvPr>
+          <p:cNvSpPr>
+            <a:spLocks noGrp="1"/>
+          </p:cNvSpPr>
+          <p:nvPr>
+            <p:ph type="title"/>
+          </p:nvPr>
+        </p:nvSpPr>
+        <p:spPr>
+          <a:xfrm>
+            <a:off x="1595269" y="-496887"/>
+            <a:ext cx="9001462" cy="2387600"/>
+          </a:xfrm>
+        </p:spPr>
+        <p:txBody>
+          <a:bodyPr vert="horz" lIns="91440" tIns="45720" rIns="91440" bIns="45720" rtlCol="0" anchor="b">
+            <a:normAutofit/>
+          </a:bodyPr>
+          <a:lstStyle/>
+          <a:p>
+            <a:pPr latinLnBrk="0"/>
+            <a:r>
+              <a:rPr lang="ko-KR" altLang="en-US" sz="4800" dirty="0"/>
+              <a:t>공간연산은 지원하나</a:t>
+            </a:r>
+            <a:r>
+              <a:rPr lang="en-US" altLang="ko-KR" sz="4800" dirty="0"/>
+              <a:t>?</a:t>
+            </a:r>
+          </a:p>
+        </p:txBody>
+      </p:sp>
+      <p:sp>
+        <p:nvSpPr>
+          <p:cNvPr id="3" name="내용 개체 틀 2">
+            <a:extLst>
+              <a:ext uri="{FF2B5EF4-FFF2-40B4-BE49-F238E27FC236}">
+                <a16:creationId xmlns:a16="http://schemas.microsoft.com/office/drawing/2014/main" id="{7E75CA30-B710-4A05-93C2-388D680A0744}"/>
+              </a:ext>
+            </a:extLst>
+          </p:cNvPr>
+          <p:cNvSpPr>
+            <a:spLocks noGrp="1"/>
+          </p:cNvSpPr>
+          <p:nvPr>
+            <p:ph idx="1"/>
+          </p:nvPr>
+        </p:nvSpPr>
+        <p:spPr>
+          <a:xfrm>
+            <a:off x="1152525" y="2020888"/>
+            <a:ext cx="10453856" cy="1655762"/>
+          </a:xfrm>
+        </p:spPr>
+        <p:txBody>
+          <a:bodyPr vert="horz" lIns="91440" tIns="45720" rIns="91440" bIns="45720" rtlCol="0">
+            <a:normAutofit fontScale="25000" lnSpcReduction="20000"/>
+          </a:bodyPr>
+          <a:lstStyle/>
+          <a:p>
+            <a:pPr marL="0" indent="0" latinLnBrk="0">
+              <a:buNone/>
+            </a:pPr>
+            <a:r>
+              <a:rPr lang="en-US" altLang="ko-KR" sz="9600" dirty="0"/>
+              <a:t>POSTGIS </a:t>
+            </a:r>
+            <a:r>
+              <a:rPr lang="ko-KR" altLang="en-US" sz="9600" dirty="0"/>
+              <a:t>나 다른 여타 </a:t>
+            </a:r>
+            <a:r>
+              <a:rPr lang="en-US" altLang="ko-KR" sz="9600" dirty="0"/>
+              <a:t>DBMS </a:t>
+            </a:r>
+            <a:r>
+              <a:rPr lang="ko-KR" altLang="en-US" sz="9600" dirty="0"/>
+              <a:t>에서 지원 하는 공간연산 기능 중 </a:t>
+            </a:r>
+            <a:r>
+              <a:rPr lang="en-US" altLang="ko-KR" sz="9600" dirty="0"/>
+              <a:t>within, intersect </a:t>
+            </a:r>
+            <a:r>
+              <a:rPr lang="ko-KR" altLang="en-US" sz="9600" dirty="0"/>
+              <a:t>등을 지원</a:t>
+            </a:r>
+            <a:r>
+              <a:rPr lang="en-US" altLang="ko-KR" sz="9600" dirty="0"/>
+              <a:t>(4</a:t>
+            </a:r>
+            <a:r>
+              <a:rPr lang="ko-KR" altLang="en-US" sz="9600" dirty="0"/>
+              <a:t>가지</a:t>
+            </a:r>
+            <a:r>
+              <a:rPr lang="en-US" altLang="ko-KR" sz="9600" dirty="0"/>
+              <a:t>)</a:t>
+            </a:r>
+          </a:p>
+          <a:p>
+            <a:pPr marL="457200" indent="-457200" latinLnBrk="0">
+              <a:buAutoNum type="arabicParenR"/>
+            </a:pPr>
+            <a:r>
+              <a:rPr lang="en-US" altLang="ko-KR" sz="9600" dirty="0"/>
+              <a:t>$</a:t>
+            </a:r>
+            <a:r>
+              <a:rPr lang="en-US" altLang="ko-KR" sz="9600" dirty="0" err="1"/>
+              <a:t>geoIntersects</a:t>
+            </a:r>
+            <a:r>
+              <a:rPr lang="en-US" altLang="ko-KR" sz="9600" dirty="0"/>
+              <a:t>  =ST_INTERSECTS</a:t>
+            </a:r>
+          </a:p>
+          <a:p>
+            <a:pPr marL="457200" indent="-457200" latinLnBrk="0">
+              <a:buAutoNum type="arabicParenR"/>
+            </a:pPr>
+            <a:r>
+              <a:rPr lang="en-US" altLang="ko-KR" sz="9600" dirty="0"/>
+              <a:t>$</a:t>
+            </a:r>
+            <a:r>
+              <a:rPr lang="en-US" altLang="ko-KR" sz="9600" dirty="0" err="1"/>
+              <a:t>geoWithin</a:t>
+            </a:r>
+            <a:r>
+              <a:rPr lang="en-US" altLang="ko-KR" sz="9600" dirty="0"/>
+              <a:t>      = ST_WITHIN</a:t>
+            </a:r>
+          </a:p>
+          <a:p>
+            <a:pPr marL="457200" indent="-457200" latinLnBrk="0">
+              <a:buAutoNum type="arabicParenR"/>
+            </a:pPr>
+            <a:r>
+              <a:rPr lang="en-US" altLang="ko-KR" sz="9600" dirty="0"/>
+              <a:t>$near            = </a:t>
+            </a:r>
+            <a:r>
+              <a:rPr lang="en-US" altLang="ko-KR" sz="9600" dirty="0" err="1"/>
+              <a:t>ST_ClosetPoint</a:t>
+            </a:r>
+            <a:endParaRPr lang="en-US" altLang="ko-KR" sz="9600" dirty="0"/>
+          </a:p>
+          <a:p>
+            <a:pPr marL="457200" indent="-457200" latinLnBrk="0">
+              <a:buAutoNum type="arabicParenR"/>
+            </a:pPr>
+            <a:r>
+              <a:rPr lang="en-US" altLang="ko-KR" sz="9600" dirty="0"/>
+              <a:t>$</a:t>
+            </a:r>
+            <a:r>
+              <a:rPr lang="en-US" altLang="ko-KR" sz="9600" dirty="0" err="1"/>
+              <a:t>nearSphere</a:t>
+            </a:r>
+            <a:r>
+              <a:rPr lang="en-US" altLang="ko-KR" sz="9600" dirty="0"/>
+              <a:t>  = ST_3DClosetPoint</a:t>
+            </a:r>
+          </a:p>
+          <a:p>
+            <a:pPr marL="457200" indent="-457200" latinLnBrk="0">
+              <a:buAutoNum type="arabicParenR"/>
+            </a:pPr>
+            <a:endParaRPr lang="en-US" altLang="ko-KR" sz="2400" dirty="0"/>
+          </a:p>
+          <a:p>
+            <a:pPr marL="457200" indent="-457200" latinLnBrk="0">
+              <a:buAutoNum type="arabicParenR"/>
+            </a:pPr>
+            <a:endParaRPr lang="en-US" altLang="ko-KR" sz="2400" dirty="0"/>
+          </a:p>
+          <a:p>
+            <a:pPr marL="0" indent="0" latinLnBrk="0">
+              <a:buNone/>
+            </a:pPr>
+            <a:endParaRPr lang="ko-KR" altLang="en-US" sz="2400" dirty="0"/>
+          </a:p>
+        </p:txBody>
+      </p:sp>
+    </p:spTree>
+    <p:extLst>
+      <p:ext uri="{BB962C8B-B14F-4D97-AF65-F5344CB8AC3E}">
+        <p14:creationId xmlns:p14="http://schemas.microsoft.com/office/powerpoint/2010/main" val="1510280234"/>
+      </p:ext>
+    </p:extLst>
+  </p:cSld>
+  <p:clrMapOvr>
+    <a:masterClrMapping/>
+  </p:clrMapOvr>
+</p:sld>
+</file>
+
+<file path=ppt/slides/slide14.xml><?xml version="1.0" encoding="utf-8"?>
+<p:sld xmlns:a="http://schemas.openxmlformats.org/drawingml/2006/main" xmlns:r="http://schemas.openxmlformats.org/officeDocument/2006/relationships" xmlns:p="http://schemas.openxmlformats.org/presentationml/2006/main">
+  <p:cSld>
+    <p:bg>
+      <p:bgPr>
+        <a:solidFill>
+          <a:schemeClr val="bg1"/>
+        </a:solidFill>
+        <a:effectLst/>
+      </p:bgPr>
+    </p:bg>
+    <p:spTree>
+      <p:nvGrpSpPr>
+        <p:cNvPr id="1" name=""/>
+        <p:cNvGrpSpPr/>
+        <p:nvPr/>
+      </p:nvGrpSpPr>
+      <p:grpSpPr>
+        <a:xfrm>
+          <a:off x="0" y="0"/>
+          <a:ext cx="0" cy="0"/>
+          <a:chOff x="0" y="0"/>
+          <a:chExt cx="0" cy="0"/>
+        </a:xfrm>
+      </p:grpSpPr>
+      <p:sp useBgFill="1">
+        <p:nvSpPr>
+          <p:cNvPr id="13" name="Rectangle 12">
+            <a:extLst>
+              <a:ext uri="{FF2B5EF4-FFF2-40B4-BE49-F238E27FC236}">
+                <a16:creationId xmlns:a16="http://schemas.microsoft.com/office/drawing/2014/main" id="{C9686419-69F8-44A8-9B5E-7BC030CD9F15}"/>
+              </a:ext>
+              <a:ext uri="{C183D7F6-B498-43B3-948B-1728B52AA6E4}">
+                <adec:decorative xmlns:adec="http://schemas.microsoft.com/office/drawing/2017/decorative" val="1"/>
+              </a:ext>
+            </a:extLst>
+          </p:cNvPr>
+          <p:cNvSpPr>
+            <a:spLocks noGrp="1" noRot="1" noChangeAspect="1" noMove="1" noResize="1" noEditPoints="1" noAdjustHandles="1" noChangeArrowheads="1" noChangeShapeType="1" noTextEdit="1"/>
+          </p:cNvSpPr>
+          <p:nvPr>
+            <p:extLst>
+              <p:ext uri="{386F3935-93C4-4BCD-93E2-E3B085C9AB24}">
+                <p16:designElem xmlns:p16="http://schemas.microsoft.com/office/powerpoint/2015/main" val="1"/>
+              </p:ext>
+            </p:extLst>
+          </p:nvPr>
+        </p:nvSpPr>
+        <p:spPr>
+          <a:xfrm>
+            <a:off x="0" y="0"/>
+            <a:ext cx="12192000" cy="6858000"/>
+          </a:xfrm>
+          <a:prstGeom prst="rect">
+            <a:avLst/>
+          </a:prstGeom>
+          <a:ln>
+            <a:noFill/>
+          </a:ln>
+        </p:spPr>
+        <p:style>
+          <a:lnRef idx="2">
+            <a:schemeClr val="accent1">
+              <a:shade val="50000"/>
+            </a:schemeClr>
+          </a:lnRef>
+          <a:fillRef idx="1">
+            <a:schemeClr val="accent1"/>
+          </a:fillRef>
+          <a:effectRef idx="0">
+            <a:schemeClr val="accent1"/>
+          </a:effectRef>
+          <a:fontRef idx="minor">
+            <a:schemeClr val="lt1"/>
+          </a:fontRef>
+        </p:style>
+        <p:txBody>
+          <a:bodyPr rtlCol="0" anchor="ctr"/>
+          <a:lstStyle/>
+          <a:p>
+            <a:pPr algn="ctr"/>
+            <a:endParaRPr lang="en-US"/>
+          </a:p>
+        </p:txBody>
+      </p:sp>
+      <p:sp>
+        <p:nvSpPr>
+          <p:cNvPr id="15" name="Rectangle 14">
+            <a:extLst>
+              <a:ext uri="{FF2B5EF4-FFF2-40B4-BE49-F238E27FC236}">
+                <a16:creationId xmlns:a16="http://schemas.microsoft.com/office/drawing/2014/main" id="{1F372B2F-CACA-42BB-A747-77D0AAC79908}"/>
+              </a:ext>
+              <a:ext uri="{C183D7F6-B498-43B3-948B-1728B52AA6E4}">
+                <adec:decorative xmlns:adec="http://schemas.microsoft.com/office/drawing/2017/decorative" val="1"/>
+              </a:ext>
+            </a:extLst>
+          </p:cNvPr>
+          <p:cNvSpPr>
+            <a:spLocks noGrp="1" noRot="1" noChangeAspect="1" noMove="1" noResize="1" noEditPoints="1" noAdjustHandles="1" noChangeArrowheads="1" noChangeShapeType="1" noTextEdit="1"/>
+          </p:cNvSpPr>
+          <p:nvPr>
+            <p:extLst>
+              <p:ext uri="{386F3935-93C4-4BCD-93E2-E3B085C9AB24}">
+                <p16:designElem xmlns:p16="http://schemas.microsoft.com/office/powerpoint/2015/main" val="1"/>
+              </p:ext>
+            </p:extLst>
+          </p:nvPr>
+        </p:nvSpPr>
+        <p:spPr>
+          <a:xfrm>
+            <a:off x="711903" y="744311"/>
+            <a:ext cx="10783412" cy="5406118"/>
+          </a:xfrm>
+          <a:prstGeom prst="rect">
+            <a:avLst/>
+          </a:prstGeom>
+          <a:gradFill flip="none" rotWithShape="1">
+            <a:gsLst>
+              <a:gs pos="0">
+                <a:schemeClr val="accent3">
+                  <a:lumMod val="89000"/>
+                </a:schemeClr>
+              </a:gs>
+              <a:gs pos="23000">
+                <a:schemeClr val="accent3">
+                  <a:lumMod val="89000"/>
+                </a:schemeClr>
+              </a:gs>
+              <a:gs pos="69000">
+                <a:schemeClr val="accent3">
+                  <a:lumMod val="75000"/>
+                </a:schemeClr>
+              </a:gs>
+              <a:gs pos="97000">
+                <a:schemeClr val="accent3">
+                  <a:lumMod val="70000"/>
+                </a:schemeClr>
+              </a:gs>
+            </a:gsLst>
+            <a:path path="circle">
+              <a:fillToRect l="50000" t="50000" r="50000" b="50000"/>
+            </a:path>
+            <a:tileRect/>
+          </a:gradFill>
+          <a:ln w="190500" cap="sq">
+            <a:solidFill>
+              <a:schemeClr val="accent3"/>
+            </a:solidFill>
+            <a:miter lim="800000"/>
+          </a:ln>
+          <a:effectLst/>
+          <a:scene3d>
+            <a:camera prst="orthographicFront"/>
+            <a:lightRig rig="twoPt" dir="t">
+              <a:rot lat="0" lon="0" rev="7200000"/>
+            </a:lightRig>
+          </a:scene3d>
+          <a:sp3d/>
+        </p:spPr>
+        <p:style>
+          <a:lnRef idx="2">
+            <a:schemeClr val="accent1">
+              <a:shade val="50000"/>
+            </a:schemeClr>
+          </a:lnRef>
+          <a:fillRef idx="1">
+            <a:schemeClr val="accent1"/>
+          </a:fillRef>
+          <a:effectRef idx="0">
+            <a:schemeClr val="accent1"/>
+          </a:effectRef>
+          <a:fontRef idx="minor">
+            <a:schemeClr val="lt1"/>
+          </a:fontRef>
+        </p:style>
+        <p:txBody>
+          <a:bodyPr rtlCol="0" anchor="ctr"/>
+          <a:lstStyle/>
+          <a:p>
+            <a:pPr algn="ctr"/>
+            <a:endParaRPr lang="en-US"/>
+          </a:p>
+        </p:txBody>
+      </p:sp>
+      <p:sp>
+        <p:nvSpPr>
+          <p:cNvPr id="17" name="Rectangle 16">
+            <a:extLst>
+              <a:ext uri="{FF2B5EF4-FFF2-40B4-BE49-F238E27FC236}">
+                <a16:creationId xmlns:a16="http://schemas.microsoft.com/office/drawing/2014/main" id="{07311828-E0E9-43DD-81AC-CFD55A34D975}"/>
+              </a:ext>
+              <a:ext uri="{C183D7F6-B498-43B3-948B-1728B52AA6E4}">
+                <adec:decorative xmlns:adec="http://schemas.microsoft.com/office/drawing/2017/decorative" val="1"/>
+              </a:ext>
+            </a:extLst>
+          </p:cNvPr>
+          <p:cNvSpPr>
+            <a:spLocks noGrp="1" noRot="1" noChangeAspect="1" noMove="1" noResize="1" noEditPoints="1" noAdjustHandles="1" noChangeArrowheads="1" noChangeShapeType="1" noTextEdit="1"/>
+          </p:cNvSpPr>
+          <p:nvPr>
+            <p:extLst>
+              <p:ext uri="{386F3935-93C4-4BCD-93E2-E3B085C9AB24}">
+                <p16:designElem xmlns:p16="http://schemas.microsoft.com/office/powerpoint/2015/main" val="1"/>
+              </p:ext>
+            </p:extLst>
+          </p:nvPr>
+        </p:nvSpPr>
+        <p:spPr>
+          <a:xfrm>
+            <a:off x="792335" y="824745"/>
+            <a:ext cx="10622545" cy="5245250"/>
+          </a:xfrm>
+          <a:prstGeom prst="rect">
+            <a:avLst/>
+          </a:prstGeom>
+          <a:gradFill flip="none" rotWithShape="1">
+            <a:gsLst>
+              <a:gs pos="0">
+                <a:schemeClr val="accent3">
+                  <a:lumMod val="89000"/>
+                </a:schemeClr>
+              </a:gs>
+              <a:gs pos="23000">
+                <a:schemeClr val="accent3">
+                  <a:lumMod val="89000"/>
+                </a:schemeClr>
+              </a:gs>
+              <a:gs pos="69000">
+                <a:schemeClr val="accent3">
+                  <a:lumMod val="75000"/>
+                </a:schemeClr>
+              </a:gs>
+              <a:gs pos="97000">
+                <a:schemeClr val="accent3">
+                  <a:lumMod val="70000"/>
+                </a:schemeClr>
+              </a:gs>
+            </a:gsLst>
+            <a:path path="circle">
+              <a:fillToRect l="50000" t="50000" r="50000" b="50000"/>
+            </a:path>
+            <a:tileRect/>
+          </a:gradFill>
+          <a:ln>
+            <a:noFill/>
+          </a:ln>
+        </p:spPr>
+        <p:style>
+          <a:lnRef idx="2">
+            <a:schemeClr val="accent1">
+              <a:shade val="50000"/>
+            </a:schemeClr>
+          </a:lnRef>
+          <a:fillRef idx="1003">
+            <a:schemeClr val="dk2"/>
+          </a:fillRef>
+          <a:effectRef idx="0">
+            <a:schemeClr val="accent1"/>
+          </a:effectRef>
+          <a:fontRef idx="minor">
+            <a:schemeClr val="lt1"/>
+          </a:fontRef>
+        </p:style>
+        <p:txBody>
+          <a:bodyPr rtlCol="0" anchor="ctr"/>
+          <a:lstStyle/>
+          <a:p>
+            <a:pPr algn="ctr"/>
+            <a:endParaRPr lang="en-US"/>
+          </a:p>
+        </p:txBody>
+      </p:sp>
+      <p:sp>
+        <p:nvSpPr>
+          <p:cNvPr id="9" name="제목 1">
+            <a:extLst>
+              <a:ext uri="{FF2B5EF4-FFF2-40B4-BE49-F238E27FC236}">
+                <a16:creationId xmlns:a16="http://schemas.microsoft.com/office/drawing/2014/main" id="{D590D65B-DC38-41FA-8B0F-9BB017064EFA}"/>
+              </a:ext>
+            </a:extLst>
+          </p:cNvPr>
+          <p:cNvSpPr>
+            <a:spLocks noGrp="1"/>
+          </p:cNvSpPr>
+          <p:nvPr>
+            <p:ph type="title"/>
+          </p:nvPr>
+        </p:nvSpPr>
+        <p:spPr>
+          <a:xfrm>
+            <a:off x="1595269" y="1122363"/>
+            <a:ext cx="9001462" cy="2910264"/>
+          </a:xfrm>
+        </p:spPr>
+        <p:txBody>
+          <a:bodyPr vert="horz" lIns="91440" tIns="45720" rIns="91440" bIns="45720" rtlCol="0" anchor="b">
+            <a:normAutofit/>
+          </a:bodyPr>
+          <a:lstStyle/>
+          <a:p>
+            <a:br>
+              <a:rPr lang="ko-KR" altLang="en-US" dirty="0"/>
+            </a:br>
+            <a:endParaRPr lang="en-US" altLang="ko-KR" sz="6000" dirty="0">
+              <a:solidFill>
+                <a:srgbClr val="FFFFFF"/>
+              </a:solidFill>
+            </a:endParaRPr>
+          </a:p>
+        </p:txBody>
+      </p:sp>
+      <p:sp>
+        <p:nvSpPr>
+          <p:cNvPr id="5" name="TextBox 4">
+            <a:extLst>
+              <a:ext uri="{FF2B5EF4-FFF2-40B4-BE49-F238E27FC236}">
+                <a16:creationId xmlns:a16="http://schemas.microsoft.com/office/drawing/2014/main" id="{47317F95-F29B-473C-9813-31D694209E8B}"/>
+              </a:ext>
+            </a:extLst>
+          </p:cNvPr>
+          <p:cNvSpPr txBox="1"/>
+          <p:nvPr/>
+        </p:nvSpPr>
+        <p:spPr>
+          <a:xfrm>
+            <a:off x="1711569" y="1264531"/>
+            <a:ext cx="8417169" cy="646331"/>
+          </a:xfrm>
+          <a:prstGeom prst="rect">
+            <a:avLst/>
+          </a:prstGeom>
+          <a:noFill/>
+        </p:spPr>
+        <p:txBody>
+          <a:bodyPr wrap="square" rtlCol="0">
+            <a:spAutoFit/>
+          </a:bodyPr>
+          <a:lstStyle/>
+          <a:p>
+            <a:r>
+              <a:rPr lang="en-US" altLang="ko-KR" dirty="0"/>
+              <a:t>Example)</a:t>
+            </a:r>
+            <a:r>
+              <a:rPr lang="ko-KR" altLang="en-US" dirty="0"/>
+              <a:t> </a:t>
+            </a:r>
+            <a:r>
+              <a:rPr lang="ko-KR" altLang="en-US" dirty="0" err="1"/>
+              <a:t>부경대</a:t>
+            </a:r>
+            <a:r>
+              <a:rPr lang="ko-KR" altLang="en-US" dirty="0"/>
+              <a:t> </a:t>
+            </a:r>
+            <a:r>
+              <a:rPr lang="ko-KR" altLang="en-US" dirty="0" err="1"/>
+              <a:t>대연동</a:t>
+            </a:r>
+            <a:r>
+              <a:rPr lang="ko-KR" altLang="en-US" dirty="0"/>
+              <a:t> 캠퍼스에서 반경 </a:t>
+            </a:r>
+            <a:r>
+              <a:rPr lang="en-US" altLang="ko-KR" dirty="0"/>
+              <a:t>5km</a:t>
+            </a:r>
+            <a:r>
+              <a:rPr lang="ko-KR" altLang="en-US" dirty="0"/>
+              <a:t>  건물을 찾아주세요</a:t>
+            </a:r>
+            <a:endParaRPr lang="en-US" altLang="ko-KR" dirty="0"/>
+          </a:p>
+          <a:p>
+            <a:endParaRPr lang="ko-KR" altLang="en-US" dirty="0"/>
+          </a:p>
+        </p:txBody>
+      </p:sp>
+      <p:sp>
+        <p:nvSpPr>
+          <p:cNvPr id="6" name="TextBox 5">
+            <a:extLst>
+              <a:ext uri="{FF2B5EF4-FFF2-40B4-BE49-F238E27FC236}">
+                <a16:creationId xmlns:a16="http://schemas.microsoft.com/office/drawing/2014/main" id="{DB310E2D-441B-41BD-9BD0-E9CEB8C62691}"/>
+              </a:ext>
+            </a:extLst>
+          </p:cNvPr>
+          <p:cNvSpPr txBox="1"/>
+          <p:nvPr/>
+        </p:nvSpPr>
+        <p:spPr>
+          <a:xfrm>
+            <a:off x="2046909" y="1991296"/>
+            <a:ext cx="9777046" cy="2677656"/>
+          </a:xfrm>
+          <a:prstGeom prst="rect">
+            <a:avLst/>
+          </a:prstGeom>
+          <a:noFill/>
+        </p:spPr>
+        <p:txBody>
+          <a:bodyPr wrap="square" rtlCol="0">
+            <a:spAutoFit/>
+          </a:bodyPr>
+          <a:lstStyle/>
+          <a:p>
+            <a:r>
+              <a:rPr lang="en-US" altLang="ko-KR" sz="2400" dirty="0" err="1"/>
+              <a:t>db.ogckoreaplaces.find</a:t>
+            </a:r>
+            <a:r>
+              <a:rPr lang="en-US" altLang="ko-KR" sz="2400" b="1" dirty="0"/>
+              <a:t>({</a:t>
+            </a:r>
+          </a:p>
+          <a:p>
+            <a:r>
+              <a:rPr lang="en-US" altLang="ko-KR" sz="2400" dirty="0"/>
+              <a:t>  location</a:t>
+            </a:r>
+            <a:r>
+              <a:rPr lang="en-US" altLang="ko-KR" sz="2400" b="1" dirty="0"/>
+              <a:t>: {</a:t>
+            </a:r>
+          </a:p>
+          <a:p>
+            <a:r>
+              <a:rPr lang="en-US" altLang="ko-KR" sz="2400" dirty="0"/>
+              <a:t>    $</a:t>
+            </a:r>
+            <a:r>
+              <a:rPr lang="en-US" altLang="ko-KR" sz="2400" dirty="0" err="1"/>
+              <a:t>geoWithin</a:t>
+            </a:r>
+            <a:r>
+              <a:rPr lang="en-US" altLang="ko-KR" sz="2400" b="1" dirty="0"/>
+              <a:t>: {</a:t>
+            </a:r>
+          </a:p>
+          <a:p>
+            <a:r>
+              <a:rPr lang="en-US" altLang="ko-KR" sz="2400" dirty="0"/>
+              <a:t>      $</a:t>
+            </a:r>
+            <a:r>
+              <a:rPr lang="en-US" altLang="ko-KR" sz="2400" dirty="0" err="1"/>
+              <a:t>centerSphere</a:t>
+            </a:r>
+            <a:r>
+              <a:rPr lang="en-US" altLang="ko-KR" sz="2400" b="1" dirty="0"/>
+              <a:t>: [[129.103065834, 35.13478282], </a:t>
+            </a:r>
+            <a:r>
+              <a:rPr lang="en-US" altLang="ko-KR" sz="2400" b="1" dirty="0">
+                <a:solidFill>
+                  <a:srgbClr val="FF0000"/>
+                </a:solidFill>
+              </a:rPr>
+              <a:t>5 / 6378.1</a:t>
+            </a:r>
+            <a:r>
+              <a:rPr lang="en-US" altLang="ko-KR" sz="2400" b="1" dirty="0"/>
+              <a:t>]</a:t>
+            </a:r>
+          </a:p>
+          <a:p>
+            <a:r>
+              <a:rPr lang="ko-KR" altLang="en-US" sz="2400" dirty="0"/>
+              <a:t>    </a:t>
+            </a:r>
+            <a:r>
+              <a:rPr lang="en-US" altLang="ko-KR" sz="2400" b="1" dirty="0"/>
+              <a:t>}</a:t>
+            </a:r>
+          </a:p>
+          <a:p>
+            <a:r>
+              <a:rPr lang="ko-KR" altLang="en-US" sz="2400" dirty="0"/>
+              <a:t>  </a:t>
+            </a:r>
+            <a:r>
+              <a:rPr lang="en-US" altLang="ko-KR" sz="2400" b="1" dirty="0"/>
+              <a:t>}</a:t>
+            </a:r>
+          </a:p>
+          <a:p>
+            <a:r>
+              <a:rPr lang="en-US" altLang="ko-KR" sz="2400" b="1" dirty="0"/>
+              <a:t>})</a:t>
+            </a:r>
+            <a:endParaRPr lang="ko-KR" altLang="en-US" sz="2400" dirty="0"/>
+          </a:p>
+        </p:txBody>
+      </p:sp>
+      <p:sp>
+        <p:nvSpPr>
+          <p:cNvPr id="7" name="TextBox 6">
+            <a:extLst>
+              <a:ext uri="{FF2B5EF4-FFF2-40B4-BE49-F238E27FC236}">
+                <a16:creationId xmlns:a16="http://schemas.microsoft.com/office/drawing/2014/main" id="{CA4602EF-05F4-4EA3-9247-266B846509AF}"/>
+              </a:ext>
+            </a:extLst>
+          </p:cNvPr>
+          <p:cNvSpPr txBox="1"/>
+          <p:nvPr/>
+        </p:nvSpPr>
+        <p:spPr>
+          <a:xfrm>
+            <a:off x="1805353" y="4866645"/>
+            <a:ext cx="8885162" cy="369332"/>
+          </a:xfrm>
+          <a:prstGeom prst="rect">
+            <a:avLst/>
+          </a:prstGeom>
+          <a:noFill/>
+        </p:spPr>
+        <p:txBody>
+          <a:bodyPr wrap="square" rtlCol="0">
+            <a:spAutoFit/>
+          </a:bodyPr>
+          <a:lstStyle/>
+          <a:p>
+            <a:r>
+              <a:rPr lang="en-US" altLang="ko-KR" dirty="0"/>
+              <a:t>-  </a:t>
+            </a:r>
+            <a:r>
+              <a:rPr lang="ko-KR" altLang="en-US" dirty="0"/>
+              <a:t>쿼리에 </a:t>
+            </a:r>
+            <a:r>
+              <a:rPr lang="ko-KR" altLang="en-US" dirty="0" err="1"/>
+              <a:t>지구곡률을</a:t>
+            </a:r>
+            <a:r>
+              <a:rPr lang="ko-KR" altLang="en-US" dirty="0"/>
+              <a:t> 주어야 함</a:t>
+            </a:r>
+          </a:p>
+        </p:txBody>
+      </p:sp>
+    </p:spTree>
+    <p:extLst>
+      <p:ext uri="{BB962C8B-B14F-4D97-AF65-F5344CB8AC3E}">
+        <p14:creationId xmlns:p14="http://schemas.microsoft.com/office/powerpoint/2010/main" val="4225565844"/>
+      </p:ext>
+    </p:extLst>
+  </p:cSld>
+  <p:clrMapOvr>
+    <a:overrideClrMapping bg1="lt1" tx1="dk1" bg2="lt2" tx2="dk2" accent1="accent1" accent2="accent2" accent3="accent3" accent4="accent4" accent5="accent5" accent6="accent6" hlink="hlink" folHlink="folHlink"/>
+  </p:clrMapOvr>
+</p:sld>
+</file>
+
+<file path=ppt/slides/slide15.xml><?xml version="1.0" encoding="utf-8"?>
+<p:sld xmlns:a="http://schemas.openxmlformats.org/drawingml/2006/main" xmlns:r="http://schemas.openxmlformats.org/officeDocument/2006/relationships" xmlns:p="http://schemas.openxmlformats.org/presentationml/2006/main">
+  <p:cSld>
+    <p:bg>
+      <p:bgPr>
+        <a:blipFill rotWithShape="1">
+          <a:blip r:embed="rId2">
+            <a:duotone>
+              <a:schemeClr val="bg2">
+                <a:shade val="18000"/>
+                <a:satMod val="160000"/>
+                <a:lumMod val="28000"/>
+              </a:schemeClr>
+              <a:schemeClr val="bg2">
+                <a:tint val="95000"/>
+                <a:satMod val="160000"/>
+                <a:lumMod val="116000"/>
+              </a:schemeClr>
+            </a:duotone>
+          </a:blip>
+          <a:stretch/>
+        </a:blipFill>
+        <a:effectLst/>
+      </p:bgPr>
+    </p:bg>
+    <p:spTree>
+      <p:nvGrpSpPr>
+        <p:cNvPr id="1" name=""/>
+        <p:cNvGrpSpPr/>
+        <p:nvPr/>
+      </p:nvGrpSpPr>
+      <p:grpSpPr>
+        <a:xfrm>
+          <a:off x="0" y="0"/>
+          <a:ext cx="0" cy="0"/>
+          <a:chOff x="0" y="0"/>
+          <a:chExt cx="0" cy="0"/>
+        </a:xfrm>
+      </p:grpSpPr>
+      <p:sp useBgFill="1">
+        <p:nvSpPr>
+          <p:cNvPr id="12" name="Rectangle 7">
+            <a:extLst>
+              <a:ext uri="{FF2B5EF4-FFF2-40B4-BE49-F238E27FC236}">
+                <a16:creationId xmlns:a16="http://schemas.microsoft.com/office/drawing/2014/main" id="{3BFBA67F-0D4D-4C2E-A1D7-82D080A4B3AD}"/>
+              </a:ext>
+              <a:ext uri="{C183D7F6-B498-43B3-948B-1728B52AA6E4}">
+                <adec:decorative xmlns:adec="http://schemas.microsoft.com/office/drawing/2017/decorative" val="1"/>
+              </a:ext>
+            </a:extLst>
+          </p:cNvPr>
+          <p:cNvSpPr>
+            <a:spLocks noGrp="1" noRot="1" noChangeAspect="1" noMove="1" noResize="1" noEditPoints="1" noAdjustHandles="1" noChangeArrowheads="1" noChangeShapeType="1" noTextEdit="1"/>
+          </p:cNvSpPr>
+          <p:nvPr>
+            <p:extLst>
+              <p:ext uri="{386F3935-93C4-4BCD-93E2-E3B085C9AB24}">
+                <p16:designElem xmlns:p16="http://schemas.microsoft.com/office/powerpoint/2015/main" val="1"/>
+              </p:ext>
+            </p:extLst>
+          </p:nvPr>
+        </p:nvSpPr>
+        <p:spPr>
+          <a:xfrm>
+            <a:off x="0" y="0"/>
+            <a:ext cx="12192000" cy="6858000"/>
+          </a:xfrm>
+          <a:prstGeom prst="rect">
+            <a:avLst/>
+          </a:prstGeom>
+          <a:ln>
+            <a:noFill/>
+          </a:ln>
+        </p:spPr>
+        <p:style>
+          <a:lnRef idx="2">
+            <a:schemeClr val="accent1">
+              <a:shade val="50000"/>
+            </a:schemeClr>
+          </a:lnRef>
+          <a:fillRef idx="1">
+            <a:schemeClr val="accent1"/>
+          </a:fillRef>
+          <a:effectRef idx="0">
+            <a:schemeClr val="accent1"/>
+          </a:effectRef>
+          <a:fontRef idx="minor">
+            <a:schemeClr val="lt1"/>
+          </a:fontRef>
+        </p:style>
+        <p:txBody>
+          <a:bodyPr rtlCol="0" anchor="ctr"/>
+          <a:lstStyle/>
+          <a:p>
+            <a:pPr algn="ctr"/>
+            <a:endParaRPr lang="en-US"/>
+          </a:p>
+        </p:txBody>
+      </p:sp>
+      <p:sp>
+        <p:nvSpPr>
+          <p:cNvPr id="2" name="제목 1">
+            <a:extLst>
+              <a:ext uri="{FF2B5EF4-FFF2-40B4-BE49-F238E27FC236}">
+                <a16:creationId xmlns:a16="http://schemas.microsoft.com/office/drawing/2014/main" id="{D2447B01-C474-4832-BF5C-731F24AB411A}"/>
+              </a:ext>
+            </a:extLst>
+          </p:cNvPr>
+          <p:cNvSpPr>
+            <a:spLocks noGrp="1"/>
+          </p:cNvSpPr>
+          <p:nvPr>
+            <p:ph type="title"/>
+          </p:nvPr>
+        </p:nvSpPr>
+        <p:spPr>
+          <a:xfrm>
+            <a:off x="913795" y="609600"/>
+            <a:ext cx="10353761" cy="1326321"/>
+          </a:xfrm>
+        </p:spPr>
+        <p:txBody>
+          <a:bodyPr>
+            <a:normAutofit/>
+          </a:bodyPr>
+          <a:lstStyle/>
+          <a:p>
+            <a:r>
+              <a:rPr lang="ko-KR" altLang="en-US" dirty="0"/>
+              <a:t>오픈소스를 활용한 연동</a:t>
+            </a:r>
+          </a:p>
+        </p:txBody>
+      </p:sp>
+      <p:sp>
+        <p:nvSpPr>
+          <p:cNvPr id="13" name="Rectangle 9">
+            <a:extLst>
+              <a:ext uri="{FF2B5EF4-FFF2-40B4-BE49-F238E27FC236}">
+                <a16:creationId xmlns:a16="http://schemas.microsoft.com/office/drawing/2014/main" id="{EFA2AC96-1E47-421C-A03F-F98E354EB4E6}"/>
+              </a:ext>
+              <a:ext uri="{C183D7F6-B498-43B3-948B-1728B52AA6E4}">
+                <adec:decorative xmlns:adec="http://schemas.microsoft.com/office/drawing/2017/decorative" val="1"/>
+              </a:ext>
+            </a:extLst>
+          </p:cNvPr>
+          <p:cNvSpPr>
+            <a:spLocks noGrp="1" noRot="1" noChangeAspect="1" noMove="1" noResize="1" noEditPoints="1" noAdjustHandles="1" noChangeArrowheads="1" noChangeShapeType="1" noTextEdit="1"/>
+          </p:cNvSpPr>
+          <p:nvPr>
+            <p:extLst>
+              <p:ext uri="{386F3935-93C4-4BCD-93E2-E3B085C9AB24}">
+                <p16:designElem xmlns:p16="http://schemas.microsoft.com/office/powerpoint/2015/main" val="1"/>
+              </p:ext>
+            </p:extLst>
+          </p:nvPr>
+        </p:nvSpPr>
+        <p:spPr>
+          <a:xfrm>
+            <a:off x="0" y="2095500"/>
+            <a:ext cx="12192000" cy="4762500"/>
+          </a:xfrm>
+          <a:prstGeom prst="rect">
+            <a:avLst/>
+          </a:prstGeom>
+          <a:solidFill>
+            <a:schemeClr val="bg1">
+              <a:alpha val="50000"/>
+            </a:schemeClr>
+          </a:solidFill>
+          <a:ln>
+            <a:noFill/>
+          </a:ln>
+        </p:spPr>
+        <p:style>
+          <a:lnRef idx="2">
+            <a:schemeClr val="accent1">
+              <a:shade val="50000"/>
+            </a:schemeClr>
+          </a:lnRef>
+          <a:fillRef idx="1001">
+            <a:schemeClr val="dk1"/>
+          </a:fillRef>
+          <a:effectRef idx="0">
+            <a:schemeClr val="accent1"/>
+          </a:effectRef>
+          <a:fontRef idx="minor">
+            <a:schemeClr val="lt1"/>
+          </a:fontRef>
+        </p:style>
+        <p:txBody>
+          <a:bodyPr rtlCol="0" anchor="ctr"/>
+          <a:lstStyle/>
+          <a:p>
+            <a:pPr algn="ctr"/>
+            <a:endParaRPr lang="en-US"/>
+          </a:p>
+        </p:txBody>
+      </p:sp>
+      <p:sp>
+        <p:nvSpPr>
+          <p:cNvPr id="3" name="내용 개체 틀 2">
+            <a:extLst>
+              <a:ext uri="{FF2B5EF4-FFF2-40B4-BE49-F238E27FC236}">
+                <a16:creationId xmlns:a16="http://schemas.microsoft.com/office/drawing/2014/main" id="{16E20D2A-9164-44F4-B96F-3E29BEAC12D7}"/>
+              </a:ext>
+            </a:extLst>
+          </p:cNvPr>
+          <p:cNvSpPr>
+            <a:spLocks noGrp="1"/>
+          </p:cNvSpPr>
+          <p:nvPr>
+            <p:ph idx="1"/>
+          </p:nvPr>
+        </p:nvSpPr>
+        <p:spPr>
+          <a:xfrm>
+            <a:off x="1466850" y="2463800"/>
+            <a:ext cx="9247652" cy="3327400"/>
+          </a:xfrm>
+        </p:spPr>
+        <p:txBody>
+          <a:bodyPr>
+            <a:normAutofit/>
+          </a:bodyPr>
+          <a:lstStyle/>
+          <a:p>
+            <a:r>
+              <a:rPr lang="en-US" altLang="ko-KR" dirty="0"/>
+              <a:t>DBMS </a:t>
+            </a:r>
+            <a:r>
+              <a:rPr lang="ko-KR" altLang="en-US" dirty="0"/>
+              <a:t>상에서 공간정보를 다룰 때 두가지 의 고민</a:t>
+            </a:r>
+            <a:endParaRPr lang="en-US" altLang="ko-KR" dirty="0"/>
+          </a:p>
+          <a:p>
+            <a:pPr marL="0" indent="0">
+              <a:buNone/>
+            </a:pPr>
+            <a:r>
+              <a:rPr lang="en-US" altLang="ko-KR" dirty="0"/>
+              <a:t>          - </a:t>
+            </a:r>
+            <a:r>
+              <a:rPr lang="ko-KR" altLang="en-US" dirty="0"/>
+              <a:t>어떻게 파일을 </a:t>
+            </a:r>
+            <a:r>
+              <a:rPr lang="en-US" altLang="ko-KR" dirty="0"/>
+              <a:t>DB</a:t>
+            </a:r>
+            <a:r>
+              <a:rPr lang="ko-KR" altLang="en-US" dirty="0"/>
+              <a:t>로 전환 시킬 것인지</a:t>
+            </a:r>
+            <a:r>
+              <a:rPr lang="en-US" altLang="ko-KR" dirty="0"/>
+              <a:t>?</a:t>
+            </a:r>
+          </a:p>
+          <a:p>
+            <a:pPr marL="0" indent="0">
+              <a:buNone/>
+            </a:pPr>
+            <a:r>
+              <a:rPr lang="en-US" altLang="ko-KR" dirty="0"/>
+              <a:t>          - </a:t>
+            </a:r>
+            <a:r>
+              <a:rPr lang="ko-KR" altLang="en-US" dirty="0"/>
+              <a:t>서비스는 어떻게  해야 할지</a:t>
+            </a:r>
+            <a:endParaRPr lang="en-US" altLang="ko-KR" dirty="0"/>
+          </a:p>
+          <a:p>
+            <a:pPr marL="0" indent="0">
+              <a:buNone/>
+            </a:pPr>
+            <a:r>
+              <a:rPr lang="en-US" altLang="ko-KR" dirty="0"/>
+              <a:t>-</a:t>
+            </a:r>
+            <a:r>
+              <a:rPr lang="en-US" altLang="ko-KR" dirty="0">
+                <a:sym typeface="Wingdings" panose="05000000000000000000" pitchFamily="2" charset="2"/>
+              </a:rPr>
+              <a:t> </a:t>
+            </a:r>
+            <a:r>
+              <a:rPr lang="ko-KR" altLang="en-US" dirty="0">
+                <a:sym typeface="Wingdings" panose="05000000000000000000" pitchFamily="2" charset="2"/>
+              </a:rPr>
+              <a:t>사실 다른 </a:t>
+            </a:r>
+            <a:r>
+              <a:rPr lang="en-US" altLang="ko-KR" dirty="0">
+                <a:sym typeface="Wingdings" panose="05000000000000000000" pitchFamily="2" charset="2"/>
+              </a:rPr>
+              <a:t>DBMS</a:t>
+            </a:r>
+            <a:r>
+              <a:rPr lang="ko-KR" altLang="en-US" dirty="0">
+                <a:sym typeface="Wingdings" panose="05000000000000000000" pitchFamily="2" charset="2"/>
+              </a:rPr>
+              <a:t>에 비하여 지원은 부족하나  길은 있음</a:t>
+            </a:r>
+            <a:endParaRPr lang="ko-KR" altLang="en-US" dirty="0"/>
+          </a:p>
+        </p:txBody>
+      </p:sp>
+    </p:spTree>
+    <p:extLst>
+      <p:ext uri="{BB962C8B-B14F-4D97-AF65-F5344CB8AC3E}">
+        <p14:creationId xmlns:p14="http://schemas.microsoft.com/office/powerpoint/2010/main" val="323419060"/>
+      </p:ext>
+    </p:extLst>
+  </p:cSld>
+  <p:clrMapOvr>
+    <a:masterClrMapping/>
+  </p:clrMapOvr>
+</p:sld>
+</file>
+
+<file path=ppt/slides/slide16.xml><?xml version="1.0" encoding="utf-8"?>
+<p:sld xmlns:a="http://schemas.openxmlformats.org/drawingml/2006/main" xmlns:r="http://schemas.openxmlformats.org/officeDocument/2006/relationships" xmlns:p="http://schemas.openxmlformats.org/presentationml/2006/main">
+  <p:cSld>
+    <p:bg>
+      <p:bgPr>
+        <a:blipFill rotWithShape="1">
+          <a:blip r:embed="rId2">
+            <a:duotone>
+              <a:schemeClr val="bg2">
+                <a:shade val="18000"/>
+                <a:satMod val="160000"/>
+                <a:lumMod val="28000"/>
+              </a:schemeClr>
+              <a:schemeClr val="bg2">
+                <a:tint val="95000"/>
+                <a:satMod val="160000"/>
+                <a:lumMod val="116000"/>
+              </a:schemeClr>
+            </a:duotone>
+          </a:blip>
+          <a:stretch/>
+        </a:blipFill>
+        <a:effectLst/>
+      </p:bgPr>
+    </p:bg>
+    <p:spTree>
+      <p:nvGrpSpPr>
+        <p:cNvPr id="1" name=""/>
+        <p:cNvGrpSpPr/>
+        <p:nvPr/>
+      </p:nvGrpSpPr>
+      <p:grpSpPr>
+        <a:xfrm>
+          <a:off x="0" y="0"/>
+          <a:ext cx="0" cy="0"/>
+          <a:chOff x="0" y="0"/>
+          <a:chExt cx="0" cy="0"/>
+        </a:xfrm>
+      </p:grpSpPr>
+      <p:sp useBgFill="1">
+        <p:nvSpPr>
+          <p:cNvPr id="12" name="Rectangle 7">
+            <a:extLst>
+              <a:ext uri="{FF2B5EF4-FFF2-40B4-BE49-F238E27FC236}">
+                <a16:creationId xmlns:a16="http://schemas.microsoft.com/office/drawing/2014/main" id="{3BFBA67F-0D4D-4C2E-A1D7-82D080A4B3AD}"/>
+              </a:ext>
+              <a:ext uri="{C183D7F6-B498-43B3-948B-1728B52AA6E4}">
+                <adec:decorative xmlns:adec="http://schemas.microsoft.com/office/drawing/2017/decorative" val="1"/>
+              </a:ext>
+            </a:extLst>
+          </p:cNvPr>
+          <p:cNvSpPr>
+            <a:spLocks noGrp="1" noRot="1" noChangeAspect="1" noMove="1" noResize="1" noEditPoints="1" noAdjustHandles="1" noChangeArrowheads="1" noChangeShapeType="1" noTextEdit="1"/>
+          </p:cNvSpPr>
+          <p:nvPr>
+            <p:extLst>
+              <p:ext uri="{386F3935-93C4-4BCD-93E2-E3B085C9AB24}">
+                <p16:designElem xmlns:p16="http://schemas.microsoft.com/office/powerpoint/2015/main" val="1"/>
+              </p:ext>
+            </p:extLst>
+          </p:nvPr>
+        </p:nvSpPr>
+        <p:spPr>
+          <a:xfrm>
+            <a:off x="0" y="0"/>
+            <a:ext cx="12192000" cy="6858000"/>
+          </a:xfrm>
+          <a:prstGeom prst="rect">
+            <a:avLst/>
+          </a:prstGeom>
+          <a:ln>
+            <a:noFill/>
+          </a:ln>
+        </p:spPr>
+        <p:style>
+          <a:lnRef idx="2">
+            <a:schemeClr val="accent1">
+              <a:shade val="50000"/>
+            </a:schemeClr>
+          </a:lnRef>
+          <a:fillRef idx="1">
+            <a:schemeClr val="accent1"/>
+          </a:fillRef>
+          <a:effectRef idx="0">
+            <a:schemeClr val="accent1"/>
+          </a:effectRef>
+          <a:fontRef idx="minor">
+            <a:schemeClr val="lt1"/>
+          </a:fontRef>
+        </p:style>
+        <p:txBody>
+          <a:bodyPr rtlCol="0" anchor="ctr"/>
+          <a:lstStyle/>
+          <a:p>
+            <a:pPr algn="ctr"/>
+            <a:endParaRPr lang="en-US"/>
+          </a:p>
+        </p:txBody>
+      </p:sp>
+      <p:sp>
+        <p:nvSpPr>
+          <p:cNvPr id="2" name="제목 1">
+            <a:extLst>
+              <a:ext uri="{FF2B5EF4-FFF2-40B4-BE49-F238E27FC236}">
+                <a16:creationId xmlns:a16="http://schemas.microsoft.com/office/drawing/2014/main" id="{D2447B01-C474-4832-BF5C-731F24AB411A}"/>
+              </a:ext>
+            </a:extLst>
+          </p:cNvPr>
+          <p:cNvSpPr>
+            <a:spLocks noGrp="1"/>
+          </p:cNvSpPr>
+          <p:nvPr>
+            <p:ph type="title"/>
+          </p:nvPr>
+        </p:nvSpPr>
+        <p:spPr>
+          <a:xfrm>
+            <a:off x="913795" y="609600"/>
+            <a:ext cx="10353761" cy="1326321"/>
+          </a:xfrm>
+        </p:spPr>
+        <p:txBody>
+          <a:bodyPr>
+            <a:normAutofit/>
+          </a:bodyPr>
+          <a:lstStyle/>
+          <a:p>
+            <a:r>
+              <a:rPr lang="ko-KR" altLang="en-US" dirty="0"/>
+              <a:t>오픈소스를 활용한 연동</a:t>
+            </a:r>
+          </a:p>
+        </p:txBody>
+      </p:sp>
+      <p:sp>
+        <p:nvSpPr>
+          <p:cNvPr id="13" name="Rectangle 9">
+            <a:extLst>
+              <a:ext uri="{FF2B5EF4-FFF2-40B4-BE49-F238E27FC236}">
+                <a16:creationId xmlns:a16="http://schemas.microsoft.com/office/drawing/2014/main" id="{EFA2AC96-1E47-421C-A03F-F98E354EB4E6}"/>
+              </a:ext>
+              <a:ext uri="{C183D7F6-B498-43B3-948B-1728B52AA6E4}">
+                <adec:decorative xmlns:adec="http://schemas.microsoft.com/office/drawing/2017/decorative" val="1"/>
+              </a:ext>
+            </a:extLst>
+          </p:cNvPr>
+          <p:cNvSpPr>
+            <a:spLocks noGrp="1" noRot="1" noChangeAspect="1" noMove="1" noResize="1" noEditPoints="1" noAdjustHandles="1" noChangeArrowheads="1" noChangeShapeType="1" noTextEdit="1"/>
+          </p:cNvSpPr>
+          <p:nvPr>
+            <p:extLst>
+              <p:ext uri="{386F3935-93C4-4BCD-93E2-E3B085C9AB24}">
+                <p16:designElem xmlns:p16="http://schemas.microsoft.com/office/powerpoint/2015/main" val="1"/>
+              </p:ext>
+            </p:extLst>
+          </p:nvPr>
+        </p:nvSpPr>
+        <p:spPr>
+          <a:xfrm>
+            <a:off x="0" y="2095500"/>
+            <a:ext cx="12192000" cy="4762500"/>
+          </a:xfrm>
+          <a:prstGeom prst="rect">
+            <a:avLst/>
+          </a:prstGeom>
+          <a:solidFill>
+            <a:schemeClr val="bg1">
+              <a:alpha val="50000"/>
+            </a:schemeClr>
+          </a:solidFill>
+          <a:ln>
+            <a:noFill/>
+          </a:ln>
+        </p:spPr>
+        <p:style>
+          <a:lnRef idx="2">
+            <a:schemeClr val="accent1">
+              <a:shade val="50000"/>
+            </a:schemeClr>
+          </a:lnRef>
+          <a:fillRef idx="1001">
+            <a:schemeClr val="dk1"/>
+          </a:fillRef>
+          <a:effectRef idx="0">
+            <a:schemeClr val="accent1"/>
+          </a:effectRef>
+          <a:fontRef idx="minor">
+            <a:schemeClr val="lt1"/>
+          </a:fontRef>
+        </p:style>
+        <p:txBody>
+          <a:bodyPr rtlCol="0" anchor="ctr"/>
+          <a:lstStyle/>
+          <a:p>
+            <a:pPr algn="ctr"/>
+            <a:endParaRPr lang="en-US"/>
+          </a:p>
+        </p:txBody>
+      </p:sp>
+      <p:sp>
+        <p:nvSpPr>
+          <p:cNvPr id="3" name="내용 개체 틀 2">
+            <a:extLst>
+              <a:ext uri="{FF2B5EF4-FFF2-40B4-BE49-F238E27FC236}">
+                <a16:creationId xmlns:a16="http://schemas.microsoft.com/office/drawing/2014/main" id="{16E20D2A-9164-44F4-B96F-3E29BEAC12D7}"/>
+              </a:ext>
+            </a:extLst>
+          </p:cNvPr>
+          <p:cNvSpPr>
+            <a:spLocks noGrp="1"/>
+          </p:cNvSpPr>
+          <p:nvPr>
+            <p:ph idx="1"/>
+          </p:nvPr>
+        </p:nvSpPr>
+        <p:spPr>
+          <a:xfrm>
+            <a:off x="1466850" y="2463800"/>
+            <a:ext cx="9247652" cy="3327400"/>
+          </a:xfrm>
+        </p:spPr>
+        <p:txBody>
+          <a:bodyPr>
+            <a:normAutofit/>
+          </a:bodyPr>
+          <a:lstStyle/>
+          <a:p>
+            <a:r>
+              <a:rPr lang="en-US" altLang="ko-KR" dirty="0"/>
+              <a:t> </a:t>
+            </a:r>
+            <a:r>
+              <a:rPr lang="ko-KR" altLang="en-US" dirty="0"/>
+              <a:t>사실 </a:t>
+            </a:r>
+            <a:r>
+              <a:rPr lang="en-US" altLang="ko-KR" dirty="0" err="1"/>
+              <a:t>Geojson</a:t>
+            </a:r>
+            <a:r>
+              <a:rPr lang="en-US" altLang="ko-KR" dirty="0"/>
+              <a:t> </a:t>
+            </a:r>
+            <a:r>
+              <a:rPr lang="ko-KR" altLang="en-US" dirty="0"/>
+              <a:t>타입이어서 쉽게 </a:t>
+            </a:r>
+            <a:r>
+              <a:rPr lang="en-US" altLang="ko-KR" dirty="0" err="1"/>
+              <a:t>mongodb</a:t>
+            </a:r>
+            <a:r>
+              <a:rPr lang="en-US" altLang="ko-KR" dirty="0"/>
+              <a:t> </a:t>
+            </a:r>
+            <a:r>
+              <a:rPr lang="ko-KR" altLang="en-US" dirty="0"/>
+              <a:t>플러그인 이나 </a:t>
+            </a:r>
+            <a:r>
+              <a:rPr lang="en-US" altLang="ko-KR" dirty="0"/>
+              <a:t>3rd party tool </a:t>
+            </a:r>
+            <a:r>
+              <a:rPr lang="ko-KR" altLang="en-US" dirty="0"/>
+              <a:t>이 많을 것으로 생각되나 의외로 잘 지원 되지 않음</a:t>
+            </a:r>
+            <a:endParaRPr lang="en-US" altLang="ko-KR" dirty="0"/>
+          </a:p>
+          <a:p>
+            <a:r>
+              <a:rPr lang="en-US" altLang="ko-KR" dirty="0"/>
+              <a:t> QGIS </a:t>
+            </a:r>
+            <a:r>
+              <a:rPr lang="ko-KR" altLang="en-US" dirty="0"/>
+              <a:t>에서 도 직접적인 연결은 되지 않으나 </a:t>
+            </a:r>
+            <a:r>
+              <a:rPr lang="en-US" altLang="ko-KR" dirty="0" err="1"/>
+              <a:t>Pyqgis</a:t>
+            </a:r>
+            <a:r>
+              <a:rPr lang="en-US" altLang="ko-KR" dirty="0"/>
+              <a:t> </a:t>
+            </a:r>
+            <a:r>
+              <a:rPr lang="ko-KR" altLang="en-US" dirty="0"/>
+              <a:t>코드를 활용한다면 연결은</a:t>
+            </a:r>
+            <a:endParaRPr lang="en-US" altLang="ko-KR" dirty="0"/>
+          </a:p>
+          <a:p>
+            <a:pPr marL="0" indent="0">
+              <a:buNone/>
+            </a:pPr>
+            <a:r>
+              <a:rPr lang="en-US" altLang="ko-KR" dirty="0"/>
+              <a:t>     </a:t>
+            </a:r>
+            <a:r>
+              <a:rPr lang="ko-KR" altLang="en-US" dirty="0"/>
+              <a:t>가능</a:t>
+            </a:r>
+            <a:endParaRPr lang="en-US" altLang="ko-KR" dirty="0"/>
+          </a:p>
+          <a:p>
+            <a:r>
+              <a:rPr lang="en-US" altLang="ko-KR" dirty="0" err="1"/>
+              <a:t>Geoserver</a:t>
+            </a:r>
+            <a:r>
+              <a:rPr lang="ko-KR" altLang="en-US" dirty="0"/>
+              <a:t>는 전용 플러그인이 존재 하므로 연동이 가능</a:t>
+            </a:r>
+            <a:endParaRPr lang="en-US" altLang="ko-KR" dirty="0"/>
+          </a:p>
+          <a:p>
+            <a:r>
+              <a:rPr lang="en-US" altLang="ko-KR" dirty="0"/>
+              <a:t> </a:t>
+            </a:r>
+            <a:r>
+              <a:rPr lang="en-US" altLang="ko-KR" dirty="0" err="1"/>
+              <a:t>openlayers</a:t>
+            </a:r>
+            <a:r>
+              <a:rPr lang="en-US" altLang="ko-KR" dirty="0"/>
+              <a:t> </a:t>
+            </a:r>
+            <a:r>
+              <a:rPr lang="ko-KR" altLang="en-US" dirty="0"/>
+              <a:t>의 경우 </a:t>
+            </a:r>
+            <a:r>
+              <a:rPr lang="en-US" altLang="ko-KR" dirty="0" err="1"/>
+              <a:t>geojson</a:t>
+            </a:r>
+            <a:r>
+              <a:rPr lang="en-US" altLang="ko-KR" dirty="0"/>
+              <a:t> </a:t>
+            </a:r>
+            <a:r>
+              <a:rPr lang="ko-KR" altLang="en-US" dirty="0"/>
+              <a:t>을 </a:t>
+            </a:r>
+            <a:r>
+              <a:rPr lang="en-US" altLang="ko-KR" dirty="0"/>
+              <a:t>drawing </a:t>
+            </a:r>
+            <a:r>
+              <a:rPr lang="ko-KR" altLang="en-US" dirty="0"/>
+              <a:t>가능하므로 연동이 가능</a:t>
+            </a:r>
+            <a:endParaRPr lang="en-US" altLang="ko-KR" dirty="0"/>
+          </a:p>
+        </p:txBody>
+      </p:sp>
+    </p:spTree>
+    <p:extLst>
+      <p:ext uri="{BB962C8B-B14F-4D97-AF65-F5344CB8AC3E}">
+        <p14:creationId xmlns:p14="http://schemas.microsoft.com/office/powerpoint/2010/main" val="719296518"/>
+      </p:ext>
+    </p:extLst>
+  </p:cSld>
+  <p:clrMapOvr>
+    <a:masterClrMapping/>
+  </p:clrMapOvr>
+</p:sld>
+</file>
+
+<file path=ppt/slides/slide17.xml><?xml version="1.0" encoding="utf-8"?>
+<p:sld xmlns:a="http://schemas.openxmlformats.org/drawingml/2006/main" xmlns:r="http://schemas.openxmlformats.org/officeDocument/2006/relationships" xmlns:p="http://schemas.openxmlformats.org/presentationml/2006/main">
+  <p:cSld>
+    <p:spTree>
+      <p:nvGrpSpPr>
+        <p:cNvPr id="1" name=""/>
+        <p:cNvGrpSpPr/>
+        <p:nvPr/>
+      </p:nvGrpSpPr>
+      <p:grpSpPr>
+        <a:xfrm>
+          <a:off x="0" y="0"/>
+          <a:ext cx="0" cy="0"/>
+          <a:chOff x="0" y="0"/>
+          <a:chExt cx="0" cy="0"/>
+        </a:xfrm>
+      </p:grpSpPr>
+      <p:sp>
+        <p:nvSpPr>
+          <p:cNvPr id="4" name="TextBox 3">
+            <a:extLst>
+              <a:ext uri="{FF2B5EF4-FFF2-40B4-BE49-F238E27FC236}">
+                <a16:creationId xmlns:a16="http://schemas.microsoft.com/office/drawing/2014/main" id="{46FEA4C5-A05B-4259-AE45-D6FE2A27FBDE}"/>
+              </a:ext>
+            </a:extLst>
+          </p:cNvPr>
+          <p:cNvSpPr txBox="1"/>
+          <p:nvPr/>
+        </p:nvSpPr>
+        <p:spPr>
+          <a:xfrm>
+            <a:off x="480646" y="480646"/>
+            <a:ext cx="9472246" cy="461665"/>
+          </a:xfrm>
+          <a:prstGeom prst="rect">
+            <a:avLst/>
+          </a:prstGeom>
+          <a:noFill/>
+        </p:spPr>
+        <p:txBody>
+          <a:bodyPr wrap="square" rtlCol="0">
+            <a:spAutoFit/>
+          </a:bodyPr>
+          <a:lstStyle/>
+          <a:p>
+            <a:r>
+              <a:rPr lang="en-US" altLang="ko-KR" sz="2400" dirty="0"/>
+              <a:t>SHP </a:t>
+            </a:r>
+            <a:r>
+              <a:rPr lang="ko-KR" altLang="en-US" sz="2400" dirty="0"/>
+              <a:t>파일을 </a:t>
+            </a:r>
+            <a:r>
+              <a:rPr lang="en-US" altLang="ko-KR" sz="2400" dirty="0"/>
+              <a:t>MONGODB</a:t>
+            </a:r>
+            <a:r>
+              <a:rPr lang="ko-KR" altLang="en-US" sz="2400" dirty="0"/>
+              <a:t>에 적용하기 위한 팁</a:t>
+            </a:r>
+          </a:p>
+        </p:txBody>
+      </p:sp>
+      <p:sp>
+        <p:nvSpPr>
+          <p:cNvPr id="5" name="TextBox 4">
+            <a:extLst>
+              <a:ext uri="{FF2B5EF4-FFF2-40B4-BE49-F238E27FC236}">
+                <a16:creationId xmlns:a16="http://schemas.microsoft.com/office/drawing/2014/main" id="{CFDC131D-282E-45E7-8C12-975E36E2BD86}"/>
+              </a:ext>
+            </a:extLst>
+          </p:cNvPr>
+          <p:cNvSpPr txBox="1"/>
+          <p:nvPr/>
+        </p:nvSpPr>
+        <p:spPr>
+          <a:xfrm>
+            <a:off x="515816" y="1485038"/>
+            <a:ext cx="10726616" cy="646331"/>
+          </a:xfrm>
+          <a:prstGeom prst="rect">
+            <a:avLst/>
+          </a:prstGeom>
+          <a:noFill/>
+        </p:spPr>
+        <p:txBody>
+          <a:bodyPr wrap="square" rtlCol="0">
+            <a:spAutoFit/>
+          </a:bodyPr>
+          <a:lstStyle/>
+          <a:p>
+            <a:pPr marL="342900" indent="-342900">
+              <a:buAutoNum type="arabicPeriod"/>
+            </a:pPr>
+            <a:r>
+              <a:rPr lang="en-US" altLang="ko-KR" dirty="0"/>
+              <a:t>Ogr2Ogr </a:t>
+            </a:r>
+            <a:r>
+              <a:rPr lang="ko-KR" altLang="en-US" dirty="0"/>
+              <a:t>에서 </a:t>
+            </a:r>
+            <a:r>
+              <a:rPr lang="en-US" altLang="ko-KR" dirty="0" err="1"/>
+              <a:t>Geojson</a:t>
+            </a:r>
+            <a:r>
+              <a:rPr lang="en-US" altLang="ko-KR" dirty="0"/>
+              <a:t> </a:t>
+            </a:r>
+            <a:r>
+              <a:rPr lang="ko-KR" altLang="en-US" dirty="0"/>
+              <a:t>으로 바꿈</a:t>
+            </a:r>
+            <a:endParaRPr lang="en-US" altLang="ko-KR" dirty="0"/>
+          </a:p>
+          <a:p>
+            <a:r>
+              <a:rPr lang="en-US" altLang="ko-KR" dirty="0"/>
+              <a:t>$ ogr2ogr -f </a:t>
+            </a:r>
+            <a:r>
+              <a:rPr lang="en-US" altLang="ko-KR" dirty="0" err="1"/>
+              <a:t>GeoJSON</a:t>
+            </a:r>
+            <a:r>
+              <a:rPr lang="en-US" altLang="ko-KR" dirty="0"/>
+              <a:t> -</a:t>
+            </a:r>
+            <a:r>
+              <a:rPr lang="en-US" altLang="ko-KR" dirty="0" err="1"/>
+              <a:t>t_srs</a:t>
+            </a:r>
+            <a:r>
+              <a:rPr lang="en-US" altLang="ko-KR" dirty="0"/>
+              <a:t> crs:84 </a:t>
+            </a:r>
+            <a:r>
+              <a:rPr lang="en-US" altLang="ko-KR" dirty="0" err="1"/>
+              <a:t>point.geojson</a:t>
+            </a:r>
+            <a:r>
+              <a:rPr lang="en-US" altLang="ko-KR" dirty="0"/>
+              <a:t> </a:t>
+            </a:r>
+            <a:r>
+              <a:rPr lang="en-US" altLang="ko-KR" dirty="0" err="1"/>
+              <a:t>point.shp</a:t>
+            </a:r>
+            <a:endParaRPr lang="ko-KR" altLang="en-US" dirty="0"/>
+          </a:p>
+        </p:txBody>
+      </p:sp>
+      <p:sp>
+        <p:nvSpPr>
+          <p:cNvPr id="6" name="TextBox 5">
+            <a:extLst>
+              <a:ext uri="{FF2B5EF4-FFF2-40B4-BE49-F238E27FC236}">
+                <a16:creationId xmlns:a16="http://schemas.microsoft.com/office/drawing/2014/main" id="{2C24EE05-A812-4E1C-92DE-3724F7DD9B80}"/>
+              </a:ext>
+            </a:extLst>
+          </p:cNvPr>
+          <p:cNvSpPr txBox="1"/>
+          <p:nvPr/>
+        </p:nvSpPr>
+        <p:spPr>
+          <a:xfrm>
+            <a:off x="550986" y="2551837"/>
+            <a:ext cx="10726616" cy="1754326"/>
+          </a:xfrm>
+          <a:prstGeom prst="rect">
+            <a:avLst/>
+          </a:prstGeom>
+          <a:noFill/>
+        </p:spPr>
+        <p:txBody>
+          <a:bodyPr wrap="square" rtlCol="0">
+            <a:spAutoFit/>
+          </a:bodyPr>
+          <a:lstStyle/>
+          <a:p>
+            <a:r>
+              <a:rPr lang="en-US" altLang="ko-KR" dirty="0"/>
+              <a:t>2. </a:t>
+            </a:r>
+            <a:r>
+              <a:rPr lang="en-US" altLang="ko-KR" dirty="0" err="1"/>
+              <a:t>Mongoimport</a:t>
+            </a:r>
+            <a:r>
+              <a:rPr lang="en-US" altLang="ko-KR" dirty="0"/>
+              <a:t> </a:t>
+            </a:r>
+            <a:r>
+              <a:rPr lang="ko-KR" altLang="en-US" dirty="0"/>
+              <a:t>사용</a:t>
+            </a:r>
+            <a:endParaRPr lang="en-US" altLang="ko-KR" dirty="0"/>
+          </a:p>
+          <a:p>
+            <a:r>
+              <a:rPr lang="en-US" altLang="ko-KR" dirty="0"/>
+              <a:t>C:\Program Files\MongoDB\Server\4.2\bin&gt;</a:t>
+            </a:r>
+            <a:r>
+              <a:rPr lang="en-US" altLang="ko-KR" dirty="0" err="1"/>
+              <a:t>mongoimport</a:t>
+            </a:r>
+            <a:r>
+              <a:rPr lang="en-US" altLang="ko-KR" dirty="0"/>
+              <a:t> --</a:t>
+            </a:r>
+            <a:r>
+              <a:rPr lang="en-US" altLang="ko-KR" dirty="0" err="1"/>
+              <a:t>db</a:t>
+            </a:r>
+            <a:r>
+              <a:rPr lang="en-US" altLang="ko-KR" dirty="0"/>
+              <a:t> dev -c points --file "</a:t>
+            </a:r>
+            <a:r>
+              <a:rPr lang="en-US" altLang="ko-KR" dirty="0" err="1"/>
+              <a:t>points.json</a:t>
+            </a:r>
+            <a:r>
+              <a:rPr lang="en-US" altLang="ko-KR" dirty="0"/>
+              <a:t>" --type json</a:t>
+            </a:r>
+          </a:p>
+          <a:p>
+            <a:r>
+              <a:rPr lang="en-US" altLang="ko-KR" dirty="0"/>
+              <a:t>2019-10-07T23:54:17.530+0900    connected to: mongodb://localhost/</a:t>
+            </a:r>
+          </a:p>
+          <a:p>
+            <a:r>
+              <a:rPr lang="en-US" altLang="ko-KR" dirty="0"/>
+              <a:t>2019-10-07T23:54:17.763+0900    1 document(s) imported successfully. 0 document(s) failed to import.</a:t>
+            </a:r>
+            <a:endParaRPr lang="ko-KR" altLang="en-US" dirty="0"/>
+          </a:p>
+        </p:txBody>
+      </p:sp>
+      <p:sp>
+        <p:nvSpPr>
+          <p:cNvPr id="8" name="TextBox 7">
+            <a:extLst>
+              <a:ext uri="{FF2B5EF4-FFF2-40B4-BE49-F238E27FC236}">
+                <a16:creationId xmlns:a16="http://schemas.microsoft.com/office/drawing/2014/main" id="{ADAB1E41-8E01-430C-8B73-83905E2927A4}"/>
+              </a:ext>
+            </a:extLst>
+          </p:cNvPr>
+          <p:cNvSpPr txBox="1"/>
+          <p:nvPr/>
+        </p:nvSpPr>
+        <p:spPr>
+          <a:xfrm>
+            <a:off x="515816" y="4626479"/>
+            <a:ext cx="7186246" cy="646331"/>
+          </a:xfrm>
+          <a:prstGeom prst="rect">
+            <a:avLst/>
+          </a:prstGeom>
+          <a:noFill/>
+        </p:spPr>
+        <p:txBody>
+          <a:bodyPr wrap="square" rtlCol="0">
+            <a:spAutoFit/>
+          </a:bodyPr>
+          <a:lstStyle/>
+          <a:p>
+            <a:r>
+              <a:rPr lang="en-US" altLang="ko-KR" dirty="0"/>
+              <a:t>3. </a:t>
+            </a:r>
+            <a:r>
+              <a:rPr lang="ko-KR" altLang="en-US" dirty="0"/>
+              <a:t>평면 인덱스 사용</a:t>
+            </a:r>
+            <a:endParaRPr lang="en-US" altLang="ko-KR" dirty="0"/>
+          </a:p>
+          <a:p>
+            <a:r>
+              <a:rPr lang="en-US" altLang="ko-KR" dirty="0" err="1"/>
+              <a:t>db.sfsweeproutes.ensureIndex</a:t>
+            </a:r>
+            <a:r>
+              <a:rPr lang="en-US" altLang="ko-KR" b="1" dirty="0"/>
+              <a:t>({"geometry":"2dsphere"})</a:t>
+            </a:r>
+            <a:endParaRPr lang="ko-KR" altLang="en-US" dirty="0"/>
+          </a:p>
+        </p:txBody>
+      </p:sp>
+    </p:spTree>
+    <p:extLst>
+      <p:ext uri="{BB962C8B-B14F-4D97-AF65-F5344CB8AC3E}">
+        <p14:creationId xmlns:p14="http://schemas.microsoft.com/office/powerpoint/2010/main" val="2678372776"/>
+      </p:ext>
+    </p:extLst>
+  </p:cSld>
+  <p:clrMapOvr>
+    <a:masterClrMapping/>
+  </p:clrMapOvr>
+</p:sld>
+</file>
+
+<file path=ppt/slides/slide18.xml><?xml version="1.0" encoding="utf-8"?>
+<p:sld xmlns:a="http://schemas.openxmlformats.org/drawingml/2006/main" xmlns:r="http://schemas.openxmlformats.org/officeDocument/2006/relationships" xmlns:p="http://schemas.openxmlformats.org/presentationml/2006/main">
+  <p:cSld>
+    <p:bg>
+      <p:bgPr>
+        <a:blipFill rotWithShape="1">
+          <a:blip r:embed="rId2">
+            <a:duotone>
+              <a:schemeClr val="bg2">
+                <a:shade val="18000"/>
+                <a:satMod val="160000"/>
+                <a:lumMod val="28000"/>
+              </a:schemeClr>
+              <a:schemeClr val="bg2">
+                <a:tint val="95000"/>
+                <a:satMod val="160000"/>
+                <a:lumMod val="116000"/>
+              </a:schemeClr>
+            </a:duotone>
+          </a:blip>
+          <a:stretch/>
+        </a:blipFill>
+        <a:effectLst/>
+      </p:bgPr>
+    </p:bg>
+    <p:spTree>
+      <p:nvGrpSpPr>
+        <p:cNvPr id="1" name=""/>
+        <p:cNvGrpSpPr/>
+        <p:nvPr/>
+      </p:nvGrpSpPr>
+      <p:grpSpPr>
+        <a:xfrm>
+          <a:off x="0" y="0"/>
+          <a:ext cx="0" cy="0"/>
+          <a:chOff x="0" y="0"/>
+          <a:chExt cx="0" cy="0"/>
+        </a:xfrm>
+      </p:grpSpPr>
+      <p:sp>
+        <p:nvSpPr>
+          <p:cNvPr id="5" name="제목 4">
+            <a:extLst>
+              <a:ext uri="{FF2B5EF4-FFF2-40B4-BE49-F238E27FC236}">
+                <a16:creationId xmlns:a16="http://schemas.microsoft.com/office/drawing/2014/main" id="{E88E9899-49C1-4D8C-BE1B-95B893DD056E}"/>
+              </a:ext>
+            </a:extLst>
+          </p:cNvPr>
+          <p:cNvSpPr>
+            <a:spLocks noGrp="1"/>
+          </p:cNvSpPr>
+          <p:nvPr>
+            <p:ph type="title"/>
+          </p:nvPr>
+        </p:nvSpPr>
+        <p:spPr>
+          <a:xfrm>
+            <a:off x="913795" y="609600"/>
+            <a:ext cx="10353761" cy="1326321"/>
+          </a:xfrm>
+        </p:spPr>
+        <p:txBody>
+          <a:bodyPr>
+            <a:normAutofit/>
+          </a:bodyPr>
+          <a:lstStyle/>
+          <a:p>
+            <a:r>
+              <a:rPr lang="ko-KR" altLang="en-US" dirty="0" err="1"/>
+              <a:t>지오서버에서의</a:t>
+            </a:r>
+            <a:r>
+              <a:rPr lang="ko-KR" altLang="en-US" dirty="0"/>
+              <a:t> 연동 </a:t>
+            </a:r>
+            <a:r>
+              <a:rPr lang="en-US" altLang="ko-KR" dirty="0"/>
+              <a:t>(</a:t>
+            </a:r>
+            <a:r>
+              <a:rPr lang="en-US" altLang="ko-KR" dirty="0" err="1"/>
+              <a:t>geoserver</a:t>
+            </a:r>
+            <a:r>
+              <a:rPr lang="en-US" altLang="ko-KR" dirty="0"/>
+              <a:t>)</a:t>
+            </a:r>
+            <a:endParaRPr lang="ko-KR" altLang="en-US" dirty="0"/>
+          </a:p>
+        </p:txBody>
+      </p:sp>
+      <p:pic>
+        <p:nvPicPr>
+          <p:cNvPr id="5122" name="Picture 2">
+            <a:extLst>
+              <a:ext uri="{FF2B5EF4-FFF2-40B4-BE49-F238E27FC236}">
+                <a16:creationId xmlns:a16="http://schemas.microsoft.com/office/drawing/2014/main" id="{1798E117-169F-4B80-ADC9-D7A49494F209}"/>
+              </a:ext>
+            </a:extLst>
+          </p:cNvPr>
+          <p:cNvPicPr>
+            <a:picLocks noChangeAspect="1" noChangeArrowheads="1"/>
+          </p:cNvPicPr>
+          <p:nvPr/>
+        </p:nvPicPr>
+        <p:blipFill>
+          <a:blip r:embed="rId3">
+            <a:extLst>
+              <a:ext uri="{28A0092B-C50C-407E-A947-70E740481C1C}">
+                <a14:useLocalDpi xmlns:a14="http://schemas.microsoft.com/office/drawing/2010/main" val="0"/>
+              </a:ext>
+            </a:extLst>
+          </a:blip>
+          <a:stretch>
+            <a:fillRect/>
+          </a:stretch>
+        </p:blipFill>
+        <p:spPr bwMode="auto">
+          <a:xfrm>
+            <a:off x="2368057" y="2632966"/>
+            <a:ext cx="4103081" cy="3493180"/>
+          </a:xfrm>
+          <a:prstGeom prst="rect">
+            <a:avLst/>
+          </a:prstGeom>
+          <a:noFill/>
+          <a:ln w="190500" cap="sq">
+            <a:solidFill>
+              <a:srgbClr val="FFFFFF"/>
+            </a:solidFill>
+            <a:miter lim="800000"/>
+          </a:ln>
+          <a:effectLst>
+            <a:outerShdw blurRad="54991" dist="17780" dir="5400000" algn="ctr" rotWithShape="0">
+              <a:schemeClr val="bg1">
+                <a:alpha val="40000"/>
+              </a:schemeClr>
+            </a:outerShdw>
+          </a:effectLst>
+          <a:scene3d>
+            <a:camera prst="orthographicFront"/>
+            <a:lightRig rig="twoPt" dir="t">
+              <a:rot lat="0" lon="0" rev="7200000"/>
+            </a:lightRig>
+          </a:scene3d>
+          <a:sp3d>
+            <a:bevelT w="25400" h="19050"/>
+          </a:sp3d>
+          <a:extLst>
+            <a:ext uri="{909E8E84-426E-40DD-AFC4-6F175D3DCCD1}">
+              <a14:hiddenFill xmlns:a14="http://schemas.microsoft.com/office/drawing/2010/main">
+                <a:solidFill>
+                  <a:srgbClr val="FFFFFF"/>
+                </a:solidFill>
+              </a14:hiddenFill>
+            </a:ext>
+          </a:extLst>
+        </p:spPr>
+      </p:pic>
+      <p:sp>
+        <p:nvSpPr>
+          <p:cNvPr id="3" name="내용 개체 틀 2">
+            <a:extLst>
+              <a:ext uri="{FF2B5EF4-FFF2-40B4-BE49-F238E27FC236}">
+                <a16:creationId xmlns:a16="http://schemas.microsoft.com/office/drawing/2014/main" id="{0C7C6179-6F6D-4FC1-8354-9D416F5B4DFF}"/>
+              </a:ext>
+            </a:extLst>
+          </p:cNvPr>
+          <p:cNvSpPr>
+            <a:spLocks noGrp="1"/>
+          </p:cNvSpPr>
+          <p:nvPr>
+            <p:ph idx="1"/>
+          </p:nvPr>
+        </p:nvSpPr>
+        <p:spPr>
+          <a:xfrm>
+            <a:off x="2006941" y="1581432"/>
+            <a:ext cx="8930689" cy="3695136"/>
+          </a:xfrm>
+        </p:spPr>
+        <p:txBody>
+          <a:bodyPr>
+            <a:normAutofit/>
+          </a:bodyPr>
+          <a:lstStyle/>
+          <a:p>
+            <a:r>
+              <a:rPr lang="en-US" altLang="ko-KR" dirty="0" err="1"/>
+              <a:t>Geoserver</a:t>
+            </a:r>
+            <a:r>
+              <a:rPr lang="en-US" altLang="ko-KR" dirty="0"/>
+              <a:t> </a:t>
+            </a:r>
+            <a:r>
+              <a:rPr lang="ko-KR" altLang="en-US" dirty="0"/>
+              <a:t>에서 </a:t>
+            </a:r>
+            <a:r>
+              <a:rPr lang="en-US" altLang="ko-KR" dirty="0" err="1"/>
+              <a:t>mongodb</a:t>
+            </a:r>
+            <a:r>
+              <a:rPr lang="en-US" altLang="ko-KR" dirty="0"/>
+              <a:t> plugin </a:t>
+            </a:r>
+            <a:r>
+              <a:rPr lang="ko-KR" altLang="en-US" dirty="0"/>
+              <a:t>활용가능 함</a:t>
+            </a:r>
+            <a:endParaRPr lang="en-US" altLang="ko-KR" dirty="0"/>
+          </a:p>
+          <a:p>
+            <a:pPr marL="0" indent="0">
+              <a:buNone/>
+            </a:pPr>
+            <a:endParaRPr lang="ko-KR" altLang="en-US" dirty="0"/>
+          </a:p>
+        </p:txBody>
+      </p:sp>
+      <p:pic>
+        <p:nvPicPr>
+          <p:cNvPr id="6" name="그림 5">
+            <a:extLst>
+              <a:ext uri="{FF2B5EF4-FFF2-40B4-BE49-F238E27FC236}">
+                <a16:creationId xmlns:a16="http://schemas.microsoft.com/office/drawing/2014/main" id="{AE0CC2DA-5918-4190-9B16-BD9B4801379A}"/>
+              </a:ext>
+            </a:extLst>
+          </p:cNvPr>
+          <p:cNvPicPr>
+            <a:picLocks noChangeAspect="1"/>
+          </p:cNvPicPr>
+          <p:nvPr/>
+        </p:nvPicPr>
+        <p:blipFill>
+          <a:blip r:embed="rId4"/>
+          <a:stretch>
+            <a:fillRect/>
+          </a:stretch>
+        </p:blipFill>
+        <p:spPr>
+          <a:xfrm>
+            <a:off x="8006968" y="2199063"/>
+            <a:ext cx="3095625" cy="4360985"/>
+          </a:xfrm>
+          <a:prstGeom prst="rect">
+            <a:avLst/>
+          </a:prstGeom>
+        </p:spPr>
+      </p:pic>
+    </p:spTree>
+    <p:extLst>
+      <p:ext uri="{BB962C8B-B14F-4D97-AF65-F5344CB8AC3E}">
+        <p14:creationId xmlns:p14="http://schemas.microsoft.com/office/powerpoint/2010/main" val="1643807713"/>
+      </p:ext>
+    </p:extLst>
+  </p:cSld>
+  <p:clrMapOvr>
+    <a:masterClrMapping/>
+  </p:clrMapOvr>
+</p:sld>
+</file>
+
+<file path=ppt/slides/slide19.xml><?xml version="1.0" encoding="utf-8"?>
+<p:sld xmlns:a="http://schemas.openxmlformats.org/drawingml/2006/main" xmlns:r="http://schemas.openxmlformats.org/officeDocument/2006/relationships" xmlns:p="http://schemas.openxmlformats.org/presentationml/2006/main">
+  <p:cSld>
+    <p:spTree>
+      <p:nvGrpSpPr>
+        <p:cNvPr id="1" name=""/>
+        <p:cNvGrpSpPr/>
+        <p:nvPr/>
+      </p:nvGrpSpPr>
+      <p:grpSpPr>
+        <a:xfrm>
+          <a:off x="0" y="0"/>
+          <a:ext cx="0" cy="0"/>
+          <a:chOff x="0" y="0"/>
+          <a:chExt cx="0" cy="0"/>
+        </a:xfrm>
+      </p:grpSpPr>
+      <p:sp>
+        <p:nvSpPr>
+          <p:cNvPr id="2" name="제목 1">
+            <a:extLst>
+              <a:ext uri="{FF2B5EF4-FFF2-40B4-BE49-F238E27FC236}">
+                <a16:creationId xmlns:a16="http://schemas.microsoft.com/office/drawing/2014/main" id="{6EFA505D-3A26-449B-961A-74AB374D43DF}"/>
+              </a:ext>
+            </a:extLst>
+          </p:cNvPr>
+          <p:cNvSpPr>
+            <a:spLocks noGrp="1"/>
+          </p:cNvSpPr>
+          <p:nvPr>
+            <p:ph type="title"/>
+          </p:nvPr>
+        </p:nvSpPr>
+        <p:spPr/>
+        <p:txBody>
+          <a:bodyPr/>
+          <a:lstStyle/>
+          <a:p>
+            <a:r>
+              <a:rPr lang="ko-KR" altLang="en-US" dirty="0"/>
+              <a:t> </a:t>
+            </a:r>
+            <a:r>
+              <a:rPr lang="en-US" altLang="ko-KR" dirty="0" err="1"/>
+              <a:t>Mongodb</a:t>
+            </a:r>
+            <a:r>
+              <a:rPr lang="en-US" altLang="ko-KR" dirty="0"/>
+              <a:t> </a:t>
+            </a:r>
+            <a:r>
+              <a:rPr lang="ko-KR" altLang="en-US" dirty="0"/>
+              <a:t>기반 위치서비스 개발</a:t>
+            </a:r>
+          </a:p>
+        </p:txBody>
+      </p:sp>
+      <p:sp>
+        <p:nvSpPr>
+          <p:cNvPr id="3" name="내용 개체 틀 2">
+            <a:extLst>
+              <a:ext uri="{FF2B5EF4-FFF2-40B4-BE49-F238E27FC236}">
+                <a16:creationId xmlns:a16="http://schemas.microsoft.com/office/drawing/2014/main" id="{5562CE5A-E8F4-4A9B-ADFC-9B09C0286065}"/>
+              </a:ext>
+            </a:extLst>
+          </p:cNvPr>
+          <p:cNvSpPr>
+            <a:spLocks noGrp="1"/>
+          </p:cNvSpPr>
+          <p:nvPr>
+            <p:ph idx="1"/>
+          </p:nvPr>
+        </p:nvSpPr>
+        <p:spPr/>
+        <p:txBody>
+          <a:bodyPr/>
+          <a:lstStyle/>
+          <a:p>
+            <a:r>
+              <a:rPr lang="en-US" altLang="ko-KR" dirty="0"/>
+              <a:t>JAVA Spring + maven + eclipse </a:t>
+            </a:r>
+            <a:r>
+              <a:rPr lang="ko-KR" altLang="en-US" dirty="0"/>
+              <a:t>만 있음 된다</a:t>
+            </a:r>
+            <a:r>
+              <a:rPr lang="en-US" altLang="ko-KR" dirty="0"/>
+              <a:t>.</a:t>
+            </a:r>
+          </a:p>
+          <a:p>
+            <a:r>
+              <a:rPr lang="en-US" altLang="ko-KR" dirty="0"/>
+              <a:t> spring web</a:t>
+            </a:r>
+            <a:r>
+              <a:rPr lang="ko-KR" altLang="en-US" dirty="0"/>
+              <a:t>에서 </a:t>
+            </a:r>
+            <a:r>
+              <a:rPr lang="en-US" altLang="ko-KR" dirty="0"/>
+              <a:t>json </a:t>
+            </a:r>
+            <a:r>
+              <a:rPr lang="ko-KR" altLang="en-US" dirty="0"/>
+              <a:t>으로 서로 주고 받음 된다</a:t>
+            </a:r>
+            <a:r>
+              <a:rPr lang="en-US" altLang="ko-KR" dirty="0"/>
+              <a:t>.</a:t>
+            </a:r>
+          </a:p>
+          <a:p>
+            <a:r>
+              <a:rPr lang="ko-KR" altLang="en-US" dirty="0"/>
+              <a:t>서버는 좌표 값을 받아 </a:t>
+            </a:r>
+            <a:r>
+              <a:rPr lang="en-US" altLang="ko-KR" dirty="0"/>
+              <a:t>json</a:t>
+            </a:r>
+            <a:r>
+              <a:rPr lang="ko-KR" altLang="en-US" dirty="0"/>
+              <a:t>을 받아서 </a:t>
+            </a:r>
+            <a:r>
+              <a:rPr lang="en-US" altLang="ko-KR" dirty="0" err="1"/>
+              <a:t>monodb</a:t>
+            </a:r>
+            <a:r>
+              <a:rPr lang="en-US" altLang="ko-KR" dirty="0"/>
+              <a:t> </a:t>
+            </a:r>
+            <a:r>
+              <a:rPr lang="ko-KR" altLang="en-US" dirty="0"/>
+              <a:t>에 질의 해서 공간데이터를 서비스 하면</a:t>
+            </a:r>
+            <a:endParaRPr lang="en-US" altLang="ko-KR" dirty="0"/>
+          </a:p>
+          <a:p>
+            <a:pPr marL="0" indent="0">
+              <a:buNone/>
+            </a:pPr>
+            <a:r>
+              <a:rPr lang="en-US" altLang="ko-KR" dirty="0"/>
+              <a:t>     </a:t>
+            </a:r>
+            <a:r>
+              <a:rPr lang="ko-KR" altLang="en-US" dirty="0"/>
+              <a:t>만사 </a:t>
+            </a:r>
+            <a:r>
+              <a:rPr lang="en-US" altLang="ko-KR" dirty="0"/>
+              <a:t>ok!!!</a:t>
+            </a:r>
+          </a:p>
+          <a:p>
+            <a:pPr marL="0" indent="0">
+              <a:buNone/>
+            </a:pPr>
+            <a:endParaRPr lang="ko-KR" altLang="en-US" dirty="0"/>
+          </a:p>
+        </p:txBody>
+      </p:sp>
+    </p:spTree>
+    <p:extLst>
+      <p:ext uri="{BB962C8B-B14F-4D97-AF65-F5344CB8AC3E}">
+        <p14:creationId xmlns:p14="http://schemas.microsoft.com/office/powerpoint/2010/main" val="1814978562"/>
+      </p:ext>
+    </p:extLst>
+  </p:cSld>
+  <p:clrMapOvr>
+    <a:masterClrMapping/>
+  </p:clrMapOvr>
+</p:sld>
+</file>
+
 <file path=ppt/slides/slide2.xml><?xml version="1.0" encoding="utf-8"?>
 <p:sld xmlns:a="http://schemas.openxmlformats.org/drawingml/2006/main" xmlns:r="http://schemas.openxmlformats.org/officeDocument/2006/relationships" xmlns:p="http://schemas.openxmlformats.org/presentationml/2006/main">
   <p:cSld>
@@ -12608,6 +16570,86 @@
     <p:extLst>
       <p:ext uri="{BB962C8B-B14F-4D97-AF65-F5344CB8AC3E}">
         <p14:creationId xmlns:p14="http://schemas.microsoft.com/office/powerpoint/2010/main" val="1401741552"/>
+      </p:ext>
+    </p:extLst>
+  </p:cSld>
+  <p:clrMapOvr>
+    <a:masterClrMapping/>
+  </p:clrMapOvr>
+</p:sld>
+</file>
+
+<file path=ppt/slides/slide20.xml><?xml version="1.0" encoding="utf-8"?>
+<p:sld xmlns:a="http://schemas.openxmlformats.org/drawingml/2006/main" xmlns:r="http://schemas.openxmlformats.org/officeDocument/2006/relationships" xmlns:p="http://schemas.openxmlformats.org/presentationml/2006/main">
+  <p:cSld>
+    <p:spTree>
+      <p:nvGrpSpPr>
+        <p:cNvPr id="1" name=""/>
+        <p:cNvGrpSpPr/>
+        <p:nvPr/>
+      </p:nvGrpSpPr>
+      <p:grpSpPr>
+        <a:xfrm>
+          <a:off x="0" y="0"/>
+          <a:ext cx="0" cy="0"/>
+          <a:chOff x="0" y="0"/>
+          <a:chExt cx="0" cy="0"/>
+        </a:xfrm>
+      </p:grpSpPr>
+      <p:sp>
+        <p:nvSpPr>
+          <p:cNvPr id="2" name="제목 1">
+            <a:extLst>
+              <a:ext uri="{FF2B5EF4-FFF2-40B4-BE49-F238E27FC236}">
+                <a16:creationId xmlns:a16="http://schemas.microsoft.com/office/drawing/2014/main" id="{27BC6CE3-C245-4124-A177-99C0F61F9E10}"/>
+              </a:ext>
+            </a:extLst>
+          </p:cNvPr>
+          <p:cNvSpPr>
+            <a:spLocks noGrp="1"/>
+          </p:cNvSpPr>
+          <p:nvPr>
+            <p:ph type="title"/>
+          </p:nvPr>
+        </p:nvSpPr>
+        <p:spPr/>
+        <p:txBody>
+          <a:bodyPr/>
+          <a:lstStyle/>
+          <a:p>
+            <a:endParaRPr lang="ko-KR" altLang="en-US"/>
+          </a:p>
+        </p:txBody>
+      </p:sp>
+      <p:sp>
+        <p:nvSpPr>
+          <p:cNvPr id="3" name="내용 개체 틀 2">
+            <a:extLst>
+              <a:ext uri="{FF2B5EF4-FFF2-40B4-BE49-F238E27FC236}">
+                <a16:creationId xmlns:a16="http://schemas.microsoft.com/office/drawing/2014/main" id="{F3EE3F47-EB45-4EEF-A97F-16924827080F}"/>
+              </a:ext>
+            </a:extLst>
+          </p:cNvPr>
+          <p:cNvSpPr>
+            <a:spLocks noGrp="1"/>
+          </p:cNvSpPr>
+          <p:nvPr>
+            <p:ph idx="1"/>
+          </p:nvPr>
+        </p:nvSpPr>
+        <p:spPr/>
+        <p:txBody>
+          <a:bodyPr/>
+          <a:lstStyle/>
+          <a:p>
+            <a:endParaRPr lang="ko-KR" altLang="en-US"/>
+          </a:p>
+        </p:txBody>
+      </p:sp>
+    </p:spTree>
+    <p:extLst>
+      <p:ext uri="{BB962C8B-B14F-4D97-AF65-F5344CB8AC3E}">
+        <p14:creationId xmlns:p14="http://schemas.microsoft.com/office/powerpoint/2010/main" val="3512032416"/>
       </p:ext>
     </p:extLst>
   </p:cSld>
@@ -12991,7 +17033,7 @@
         <p:spPr>
           <a:xfrm>
             <a:off x="1300311" y="1314155"/>
-            <a:ext cx="4117077" cy="3551143"/>
+            <a:ext cx="5048516" cy="5095034"/>
           </a:xfrm>
           <a:prstGeom prst="rect">
             <a:avLst/>
@@ -13012,8 +17054,8 @@
         </p:nvSpPr>
         <p:spPr>
           <a:xfrm>
-            <a:off x="6262777" y="1587260"/>
-            <a:ext cx="5305246" cy="3139321"/>
+            <a:off x="6348827" y="1243312"/>
+            <a:ext cx="5305246" cy="5262979"/>
           </a:xfrm>
           <a:prstGeom prst="rect">
             <a:avLst/>
@@ -13031,34 +17073,34 @@
               <a:buChar char="-"/>
             </a:pPr>
             <a:r>
-              <a:rPr lang="ko-KR" altLang="en-US" dirty="0"/>
+              <a:rPr lang="ko-KR" altLang="en-US" sz="2400" dirty="0"/>
               <a:t>해상에서 수신되는 선박의 위치</a:t>
             </a:r>
             <a:r>
-              <a:rPr lang="en-US" altLang="ko-KR" dirty="0"/>
+              <a:rPr lang="en-US" altLang="ko-KR" sz="2400" dirty="0"/>
               <a:t>, </a:t>
             </a:r>
             <a:r>
-              <a:rPr lang="ko-KR" altLang="en-US" dirty="0"/>
+              <a:rPr lang="ko-KR" altLang="en-US" sz="2400" dirty="0"/>
               <a:t>해양기상</a:t>
             </a:r>
             <a:r>
-              <a:rPr lang="en-US" altLang="ko-KR" dirty="0"/>
+              <a:rPr lang="en-US" altLang="ko-KR" sz="2400" dirty="0"/>
               <a:t>,</a:t>
             </a:r>
             <a:r>
-              <a:rPr lang="ko-KR" altLang="en-US" dirty="0"/>
+              <a:rPr lang="ko-KR" altLang="en-US" sz="2400" dirty="0"/>
               <a:t>항해 표지 정보를 실시간으로 수집하여 </a:t>
             </a:r>
             <a:r>
-              <a:rPr lang="ko-KR" altLang="en-US" dirty="0" err="1"/>
+              <a:rPr lang="ko-KR" altLang="en-US" sz="2400" dirty="0" err="1"/>
               <a:t>전자해도위에</a:t>
             </a:r>
             <a:r>
-              <a:rPr lang="ko-KR" altLang="en-US" dirty="0"/>
+              <a:rPr lang="ko-KR" altLang="en-US" sz="2400" dirty="0"/>
               <a:t> 표출 되는 시스템</a:t>
             </a:r>
-            <a:endParaRPr lang="en-US" altLang="ko-KR" dirty="0"/>
+            <a:endParaRPr lang="en-US" altLang="ko-KR" sz="2400" dirty="0"/>
           </a:p>
           <a:p>
             <a:pPr marL="285750" indent="-285750">
@@ -13066,29 +17108,26 @@
               <a:buChar char="-"/>
             </a:pPr>
             <a:r>
-              <a:rPr lang="ko-KR" altLang="en-US" dirty="0"/>
+              <a:rPr lang="ko-KR" altLang="en-US" sz="2400" dirty="0"/>
               <a:t> 시기적으로 조금씩 </a:t>
             </a:r>
             <a:r>
-              <a:rPr lang="ko-KR" altLang="en-US" dirty="0" err="1"/>
+              <a:rPr lang="ko-KR" altLang="en-US" sz="2400" dirty="0" err="1"/>
               <a:t>다르긴</a:t>
             </a:r>
             <a:r>
-              <a:rPr lang="ko-KR" altLang="en-US" dirty="0"/>
+              <a:rPr lang="ko-KR" altLang="en-US" sz="2400" dirty="0"/>
               <a:t> 하지만 데이터가 너무 많이 쌓이기 때문에 한달에 한번씩 </a:t>
             </a:r>
-            <a:endParaRPr lang="en-US" altLang="ko-KR" dirty="0"/>
-          </a:p>
-          <a:p>
-            <a:r>
-              <a:rPr lang="en-US" altLang="ko-KR" dirty="0"/>
-              <a:t>      </a:t>
-            </a:r>
-            <a:r>
-              <a:rPr lang="ko-KR" altLang="en-US" dirty="0"/>
+            <a:r>
+              <a:rPr lang="en-US" altLang="ko-KR" sz="2400" dirty="0"/>
+              <a:t>  </a:t>
+            </a:r>
+            <a:r>
+              <a:rPr lang="ko-KR" altLang="en-US" sz="2400" dirty="0"/>
               <a:t>데이터를 삭제해야 할 정도 였음</a:t>
             </a:r>
-            <a:endParaRPr lang="en-US" altLang="ko-KR" dirty="0"/>
+            <a:endParaRPr lang="en-US" altLang="ko-KR" sz="2400" dirty="0"/>
           </a:p>
           <a:p>
             <a:pPr marL="285750" indent="-285750">
@@ -13096,11 +17135,11 @@
               <a:buChar char="-"/>
             </a:pPr>
             <a:r>
-              <a:rPr lang="ko-KR" altLang="en-US" dirty="0"/>
+              <a:rPr lang="ko-KR" altLang="en-US" sz="2400" dirty="0"/>
               <a:t>점점 관련 시스템이 늘어나서 시스템 마다 각각의 요구사항을 반영하기 위해 뷰를 만들게 되었습니다</a:t>
             </a:r>
             <a:r>
-              <a:rPr lang="en-US" altLang="ko-KR" dirty="0"/>
+              <a:rPr lang="en-US" altLang="ko-KR" sz="2400" dirty="0"/>
               <a:t>.</a:t>
             </a:r>
           </a:p>
@@ -13110,26 +17149,26 @@
               <a:buChar char="-"/>
             </a:pPr>
             <a:r>
-              <a:rPr lang="en-US" altLang="ko-KR" dirty="0"/>
+              <a:rPr lang="en-US" altLang="ko-KR" sz="2400" dirty="0"/>
               <a:t> </a:t>
             </a:r>
             <a:r>
-              <a:rPr lang="ko-KR" altLang="en-US" dirty="0"/>
+              <a:rPr lang="ko-KR" altLang="en-US" sz="2400" dirty="0"/>
               <a:t>자연스레 성능이슈와 </a:t>
             </a:r>
             <a:r>
-              <a:rPr lang="ko-KR" altLang="en-US" dirty="0" err="1"/>
+              <a:rPr lang="ko-KR" altLang="en-US" sz="2400" dirty="0" err="1"/>
               <a:t>튜닝해야하는</a:t>
             </a:r>
             <a:r>
-              <a:rPr lang="ko-KR" altLang="en-US" dirty="0"/>
+              <a:rPr lang="ko-KR" altLang="en-US" sz="2400" dirty="0"/>
               <a:t> 포인트가 늘어났습니다</a:t>
             </a:r>
             <a:r>
-              <a:rPr lang="en-US" altLang="ko-KR" dirty="0"/>
+              <a:rPr lang="en-US" altLang="ko-KR" sz="2400" dirty="0"/>
               <a:t>.</a:t>
             </a:r>
-            <a:endParaRPr lang="ko-KR" altLang="en-US" dirty="0"/>
+            <a:endParaRPr lang="ko-KR" altLang="en-US" sz="2400" dirty="0"/>
           </a:p>
         </p:txBody>
       </p:sp>
@@ -13879,86 +17918,6 @@
       </p:sp>
       <p:sp>
         <p:nvSpPr>
-          <p:cNvPr id="6" name="TextBox 5">
-            <a:extLst>
-              <a:ext uri="{FF2B5EF4-FFF2-40B4-BE49-F238E27FC236}">
-                <a16:creationId xmlns:a16="http://schemas.microsoft.com/office/drawing/2014/main" id="{5717E521-1145-4437-B9B0-588C9EDD371A}"/>
-              </a:ext>
-            </a:extLst>
-          </p:cNvPr>
-          <p:cNvSpPr txBox="1"/>
-          <p:nvPr/>
-        </p:nvSpPr>
-        <p:spPr>
-          <a:xfrm>
-            <a:off x="1069675" y="6072996"/>
-            <a:ext cx="10757140" cy="646331"/>
-          </a:xfrm>
-          <a:prstGeom prst="rect">
-            <a:avLst/>
-          </a:prstGeom>
-          <a:noFill/>
-        </p:spPr>
-        <p:txBody>
-          <a:bodyPr wrap="square" rtlCol="0">
-            <a:spAutoFit/>
-          </a:bodyPr>
-          <a:lstStyle/>
-          <a:p>
-            <a:r>
-              <a:rPr lang="en-US" altLang="ko-KR" dirty="0"/>
-              <a:t>RDBMS </a:t>
-            </a:r>
-            <a:r>
-              <a:rPr lang="ko-KR" altLang="en-US" dirty="0"/>
-              <a:t>상에서도 </a:t>
-            </a:r>
-            <a:r>
-              <a:rPr lang="en-US" altLang="ko-KR" dirty="0" err="1"/>
-              <a:t>scaleout</a:t>
-            </a:r>
-            <a:r>
-              <a:rPr lang="ko-KR" altLang="en-US" dirty="0"/>
-              <a:t>은 가능하나 관리 와 개발 리소스가 많이 </a:t>
-            </a:r>
-            <a:r>
-              <a:rPr lang="ko-KR" altLang="en-US" dirty="0" err="1"/>
-              <a:t>듬</a:t>
-            </a:r>
-            <a:r>
-              <a:rPr lang="ko-KR" altLang="en-US" dirty="0"/>
-              <a:t> </a:t>
-            </a:r>
-            <a:r>
-              <a:rPr lang="en-US" altLang="ko-KR" dirty="0"/>
-              <a:t>-&gt; </a:t>
-            </a:r>
-            <a:r>
-              <a:rPr lang="en-US" altLang="ko-KR" dirty="0" err="1"/>
-              <a:t>mongodb</a:t>
-            </a:r>
-            <a:r>
-              <a:rPr lang="ko-KR" altLang="en-US" dirty="0"/>
-              <a:t>는 </a:t>
-            </a:r>
-            <a:r>
-              <a:rPr lang="en-US" altLang="ko-KR" dirty="0" err="1"/>
-              <a:t>autoscale</a:t>
-            </a:r>
-            <a:r>
-              <a:rPr lang="ko-KR" altLang="en-US" dirty="0"/>
-              <a:t>로 해결 가능</a:t>
-            </a:r>
-            <a:r>
-              <a:rPr lang="en-US" altLang="ko-KR" dirty="0"/>
-              <a:t> </a:t>
-            </a:r>
-            <a:endParaRPr lang="ko-KR" altLang="en-US" dirty="0"/>
-          </a:p>
-        </p:txBody>
-      </p:sp>
-      <p:sp>
-        <p:nvSpPr>
           <p:cNvPr id="4" name="내용 개체 틀 3">
             <a:extLst>
               <a:ext uri="{FF2B5EF4-FFF2-40B4-BE49-F238E27FC236}">
@@ -13996,7 +17955,7 @@
             </a:r>
             <a:r>
               <a:rPr lang="ko-KR" altLang="en-US" dirty="0"/>
-              <a:t>은 대용량 데이터 처리에 </a:t>
+              <a:t>은 대용량 데이터 쓰기처리에 </a:t>
             </a:r>
             <a:r>
               <a:rPr lang="ko-KR" altLang="en-US" dirty="0" err="1"/>
@@ -14039,6 +17998,33 @@
               <a:rPr lang="ko-KR" altLang="en-US" dirty="0"/>
               <a:t>큰 문제 없음</a:t>
             </a:r>
+            <a:r>
+              <a:rPr lang="en-US" altLang="ko-KR" dirty="0"/>
+              <a:t>. </a:t>
+            </a:r>
+            <a:r>
+              <a:rPr lang="ko-KR" altLang="en-US" dirty="0"/>
+              <a:t>상황에 따라서는 타 </a:t>
+            </a:r>
+            <a:r>
+              <a:rPr lang="en-US" altLang="ko-KR" dirty="0"/>
+              <a:t>RDBMS </a:t>
+            </a:r>
+            <a:r>
+              <a:rPr lang="ko-KR" altLang="en-US" dirty="0"/>
+              <a:t>와 비교우위를 점할 수도 있음</a:t>
+            </a:r>
+            <a:endParaRPr lang="en-US" altLang="ko-KR" dirty="0"/>
+          </a:p>
+          <a:p>
+            <a:r>
+              <a:rPr lang="en-US" altLang="ko-KR" dirty="0"/>
+              <a:t>  </a:t>
+            </a:r>
+            <a:r>
+              <a:rPr lang="ko-KR" altLang="en-US" dirty="0"/>
+              <a:t>오히려 인덱싱 정책을 다양하게 세울 수 있으므로 </a:t>
+            </a:r>
             <a:endParaRPr lang="en-US" altLang="ko-KR" dirty="0"/>
           </a:p>
           <a:p>
@@ -14048,16 +18034,44 @@
             </a:r>
             <a:r>
               <a:rPr lang="ko-KR" altLang="en-US" dirty="0"/>
-              <a:t>다만 반복적인 </a:t>
+              <a:t>다만 대량의 반복적인 </a:t>
             </a:r>
             <a:r>
               <a:rPr lang="en-US" altLang="ko-KR" dirty="0"/>
               <a:t>insert </a:t>
             </a:r>
             <a:r>
-              <a:rPr lang="ko-KR" altLang="en-US"/>
-              <a:t>문 사</a:t>
-            </a:r>
+              <a:rPr lang="ko-KR" altLang="en-US" dirty="0"/>
+              <a:t>동작의 사용이 있는 경우 </a:t>
+            </a:r>
+            <a:r>
+              <a:rPr lang="en-US" altLang="ko-KR" dirty="0"/>
+              <a:t>operation </a:t>
+            </a:r>
+            <a:r>
+              <a:rPr lang="ko-KR" altLang="en-US" dirty="0"/>
+              <a:t>장애가 올 수 있으나</a:t>
+            </a:r>
+            <a:endParaRPr lang="en-US" altLang="ko-KR" dirty="0"/>
+          </a:p>
+          <a:p>
+            <a:pPr marL="0" indent="0">
+              <a:buNone/>
+            </a:pPr>
+            <a:r>
+              <a:rPr lang="en-US" altLang="ko-KR" dirty="0"/>
+              <a:t>       </a:t>
+            </a:r>
+            <a:r>
+              <a:rPr lang="ko-KR" altLang="en-US" dirty="0"/>
+              <a:t>이것도 개선된 상태임 </a:t>
+            </a:r>
+            <a:endParaRPr lang="en-US" altLang="ko-KR" dirty="0"/>
+          </a:p>
+          <a:p>
+            <a:pPr marL="0" indent="0">
+              <a:buNone/>
+            </a:pPr>
             <a:endParaRPr lang="ko-KR" altLang="en-US" dirty="0"/>
           </a:p>
         </p:txBody>
@@ -15352,20 +19366,20 @@
 </file>
 
 <file path=customXml/item2.xml><?xml version="1.0" encoding="utf-8"?>
+<p:properties xmlns:p="http://schemas.microsoft.com/office/2006/metadata/properties" xmlns:xsi="http://www.w3.org/2001/XMLSchema-instance" xmlns:pc="http://schemas.microsoft.com/office/infopath/2007/PartnerControls">
+  <documentManagement>
+    <MediaServiceKeyPoints xmlns="71af3243-3dd4-4a8d-8c0d-dd76da1f02a5" xsi:nil="true"/>
+  </documentManagement>
+</p:properties>
+</file>
+
+<file path=customXml/item3.xml><?xml version="1.0" encoding="utf-8"?>
 <?mso-contentType ?>
 <FormTemplates xmlns="http://schemas.microsoft.com/sharepoint/v3/contenttype/forms">
   <Display>DocumentLibraryForm</Display>
   <Edit>DocumentLibraryForm</Edit>
   <New>DocumentLibraryForm</New>
 </FormTemplates>
-</file>
-
-<file path=customXml/item3.xml><?xml version="1.0" encoding="utf-8"?>
-<p:properties xmlns:p="http://schemas.microsoft.com/office/2006/metadata/properties" xmlns:xsi="http://www.w3.org/2001/XMLSchema-instance" xmlns:pc="http://schemas.microsoft.com/office/infopath/2007/PartnerControls">
-  <documentManagement>
-    <MediaServiceKeyPoints xmlns="71af3243-3dd4-4a8d-8c0d-dd76da1f02a5" xsi:nil="true"/>
-  </documentManagement>
-</p:properties>
 </file>
 
 <file path=customXml/itemProps1.xml><?xml version="1.0" encoding="utf-8"?>
@@ -15388,14 +19402,6 @@
 </file>
 
 <file path=customXml/itemProps2.xml><?xml version="1.0" encoding="utf-8"?>
-<ds:datastoreItem xmlns:ds="http://schemas.openxmlformats.org/officeDocument/2006/customXml" ds:itemID="{4F44C90D-2A62-4985-9618-3460247437B1}">
-  <ds:schemaRefs>
-    <ds:schemaRef ds:uri="http://schemas.microsoft.com/sharepoint/v3/contenttype/forms"/>
-  </ds:schemaRefs>
-</ds:datastoreItem>
-</file>
-
-<file path=customXml/itemProps3.xml><?xml version="1.0" encoding="utf-8"?>
 <ds:datastoreItem xmlns:ds="http://schemas.openxmlformats.org/officeDocument/2006/customXml" ds:itemID="{788A2F88-55C5-4ED1-9541-807C65424763}">
   <ds:schemaRefs>
     <ds:schemaRef ds:uri="http://schemas.microsoft.com/office/2006/metadata/properties"/>
@@ -15403,4 +19409,12 @@
     <ds:schemaRef ds:uri="71af3243-3dd4-4a8d-8c0d-dd76da1f02a5"/>
   </ds:schemaRefs>
 </ds:datastoreItem>
+</file>
+
+<file path=customXml/itemProps3.xml><?xml version="1.0" encoding="utf-8"?>
+<ds:datastoreItem xmlns:ds="http://schemas.openxmlformats.org/officeDocument/2006/customXml" ds:itemID="{4F44C90D-2A62-4985-9618-3460247437B1}">
+  <ds:schemaRefs>
+    <ds:schemaRef ds:uri="http://schemas.microsoft.com/sharepoint/v3/contenttype/forms"/>
+  </ds:schemaRefs>
+</ds:datastoreItem>
 </file>